--- a/Access/기말발표_오융택.pptx
+++ b/Access/기말발표_오융택.pptx
@@ -7,9 +7,11 @@
   <p:sldIdLst>
     <p:sldId id="256" r:id="rId2"/>
     <p:sldId id="257" r:id="rId3"/>
-    <p:sldId id="258" r:id="rId4"/>
-    <p:sldId id="259" r:id="rId5"/>
-    <p:sldId id="260" r:id="rId6"/>
+    <p:sldId id="261" r:id="rId4"/>
+    <p:sldId id="262" r:id="rId5"/>
+    <p:sldId id="259" r:id="rId6"/>
+    <p:sldId id="263" r:id="rId7"/>
+    <p:sldId id="260" r:id="rId8"/>
   </p:sldIdLst>
   <p:sldSz cx="12192000" cy="6858000"/>
   <p:notesSz cx="6858000" cy="9144000"/>
@@ -108,6 +110,11 @@
       </a:defRPr>
     </a:lvl9pPr>
   </p:defaultTextStyle>
+  <p:extLst>
+    <p:ext uri="{EFAFB233-063F-42B5-8137-9DF3F51BA10A}">
+      <p15:sldGuideLst xmlns:p15="http://schemas.microsoft.com/office/powerpoint/2012/main"/>
+    </p:ext>
+  </p:extLst>
 </p:presentation>
 </file>
 
@@ -280,7 +287,7 @@
           <a:p>
             <a:fld id="{75191D63-6211-4BA6-9FD7-7EFBDB8EA865}" type="datetimeFigureOut">
               <a:rPr lang="ko-KR" altLang="en-US" smtClean="0"/>
-              <a:t>2023-05-31</a:t>
+              <a:t>2023-06-01</a:t>
             </a:fld>
             <a:endParaRPr lang="ko-KR" altLang="en-US"/>
           </a:p>
@@ -610,7 +617,7 @@
           <a:p>
             <a:fld id="{75191D63-6211-4BA6-9FD7-7EFBDB8EA865}" type="datetimeFigureOut">
               <a:rPr lang="ko-KR" altLang="en-US" smtClean="0"/>
-              <a:t>2023-05-31</a:t>
+              <a:t>2023-06-01</a:t>
             </a:fld>
             <a:endParaRPr lang="ko-KR" altLang="en-US"/>
           </a:p>
@@ -790,7 +797,7 @@
           <a:p>
             <a:fld id="{75191D63-6211-4BA6-9FD7-7EFBDB8EA865}" type="datetimeFigureOut">
               <a:rPr lang="ko-KR" altLang="en-US" smtClean="0"/>
-              <a:t>2023-05-31</a:t>
+              <a:t>2023-06-01</a:t>
             </a:fld>
             <a:endParaRPr lang="ko-KR" altLang="en-US"/>
           </a:p>
@@ -960,7 +967,7 @@
           <a:p>
             <a:fld id="{75191D63-6211-4BA6-9FD7-7EFBDB8EA865}" type="datetimeFigureOut">
               <a:rPr lang="ko-KR" altLang="en-US" smtClean="0"/>
-              <a:t>2023-05-31</a:t>
+              <a:t>2023-06-01</a:t>
             </a:fld>
             <a:endParaRPr lang="ko-KR" altLang="en-US"/>
           </a:p>
@@ -1237,7 +1244,7 @@
           <a:p>
             <a:fld id="{75191D63-6211-4BA6-9FD7-7EFBDB8EA865}" type="datetimeFigureOut">
               <a:rPr lang="ko-KR" altLang="en-US" smtClean="0"/>
-              <a:t>2023-05-31</a:t>
+              <a:t>2023-06-01</a:t>
             </a:fld>
             <a:endParaRPr lang="ko-KR" altLang="en-US"/>
           </a:p>
@@ -1631,7 +1638,7 @@
           <a:p>
             <a:fld id="{75191D63-6211-4BA6-9FD7-7EFBDB8EA865}" type="datetimeFigureOut">
               <a:rPr lang="ko-KR" altLang="en-US" smtClean="0"/>
-              <a:t>2023-05-31</a:t>
+              <a:t>2023-06-01</a:t>
             </a:fld>
             <a:endParaRPr lang="ko-KR" altLang="en-US"/>
           </a:p>
@@ -2108,7 +2115,7 @@
           <a:p>
             <a:fld id="{75191D63-6211-4BA6-9FD7-7EFBDB8EA865}" type="datetimeFigureOut">
               <a:rPr lang="ko-KR" altLang="en-US" smtClean="0"/>
-              <a:t>2023-05-31</a:t>
+              <a:t>2023-06-01</a:t>
             </a:fld>
             <a:endParaRPr lang="ko-KR" altLang="en-US"/>
           </a:p>
@@ -2226,7 +2233,7 @@
           <a:p>
             <a:fld id="{75191D63-6211-4BA6-9FD7-7EFBDB8EA865}" type="datetimeFigureOut">
               <a:rPr lang="ko-KR" altLang="en-US" smtClean="0"/>
-              <a:t>2023-05-31</a:t>
+              <a:t>2023-06-01</a:t>
             </a:fld>
             <a:endParaRPr lang="ko-KR" altLang="en-US"/>
           </a:p>
@@ -2321,7 +2328,7 @@
           <a:p>
             <a:fld id="{75191D63-6211-4BA6-9FD7-7EFBDB8EA865}" type="datetimeFigureOut">
               <a:rPr lang="ko-KR" altLang="en-US" smtClean="0"/>
-              <a:t>2023-05-31</a:t>
+              <a:t>2023-06-01</a:t>
             </a:fld>
             <a:endParaRPr lang="ko-KR" altLang="en-US"/>
           </a:p>
@@ -2667,7 +2674,7 @@
           <a:p>
             <a:fld id="{75191D63-6211-4BA6-9FD7-7EFBDB8EA865}" type="datetimeFigureOut">
               <a:rPr lang="ko-KR" altLang="en-US" smtClean="0"/>
-              <a:t>2023-05-31</a:t>
+              <a:t>2023-06-01</a:t>
             </a:fld>
             <a:endParaRPr lang="ko-KR" altLang="en-US"/>
           </a:p>
@@ -3055,7 +3062,7 @@
           <a:p>
             <a:fld id="{75191D63-6211-4BA6-9FD7-7EFBDB8EA865}" type="datetimeFigureOut">
               <a:rPr lang="ko-KR" altLang="en-US" smtClean="0"/>
-              <a:t>2023-05-31</a:t>
+              <a:t>2023-06-01</a:t>
             </a:fld>
             <a:endParaRPr lang="ko-KR" altLang="en-US"/>
           </a:p>
@@ -3333,7 +3340,7 @@
           <a:p>
             <a:fld id="{75191D63-6211-4BA6-9FD7-7EFBDB8EA865}" type="datetimeFigureOut">
               <a:rPr lang="ko-KR" altLang="en-US" smtClean="0"/>
-              <a:t>2023-05-31</a:t>
+              <a:t>2023-06-01</a:t>
             </a:fld>
             <a:endParaRPr lang="ko-KR" altLang="en-US"/>
           </a:p>
@@ -4166,7 +4173,7 @@
           <p:cNvPr id="2" name="제목 1">
             <a:extLst>
               <a:ext uri="{FF2B5EF4-FFF2-40B4-BE49-F238E27FC236}">
-                <a16:creationId xmlns:a16="http://schemas.microsoft.com/office/drawing/2014/main" id="{6AAF792E-5E76-AB9E-3B7B-B72EB046D6ED}"/>
+                <a16:creationId xmlns:a16="http://schemas.microsoft.com/office/drawing/2014/main" id="{F9A2A5FC-6D2C-AA3B-1F4F-1E4B2CF8D16D}"/>
               </a:ext>
             </a:extLst>
           </p:cNvPr>
@@ -4177,44 +4184,70 @@
             <p:ph type="title"/>
           </p:nvPr>
         </p:nvSpPr>
-        <p:spPr>
-          <a:xfrm>
-            <a:off x="1371600" y="685800"/>
-            <a:ext cx="9601200" cy="838200"/>
-          </a:xfrm>
-        </p:spPr>
+        <p:spPr/>
         <p:txBody>
           <a:bodyPr/>
           <a:lstStyle/>
           <a:p>
             <a:r>
               <a:rPr lang="en-US" altLang="ko-KR" dirty="0"/>
-              <a:t>2. </a:t>
+              <a:t>2 </a:t>
             </a:r>
             <a:r>
               <a:rPr lang="ko-KR" altLang="en-US" dirty="0"/>
-              <a:t>논리적 설계</a:t>
+              <a:t>논리적 설계 </a:t>
             </a:r>
             <a:r>
               <a:rPr lang="en-US" altLang="ko-KR" dirty="0"/>
-              <a:t>(ERD-</a:t>
+              <a:t>ERD-</a:t>
             </a:r>
             <a:r>
               <a:rPr lang="ko-KR" altLang="en-US" dirty="0"/>
               <a:t>다이어그램</a:t>
             </a:r>
-            <a:r>
-              <a:rPr lang="en-US" altLang="ko-KR" dirty="0"/>
-              <a:t>)</a:t>
-            </a:r>
-            <a:endParaRPr lang="ko-KR" altLang="en-US" dirty="0"/>
-          </a:p>
-        </p:txBody>
-      </p:sp>
+          </a:p>
+        </p:txBody>
+      </p:sp>
+      <p:pic>
+        <p:nvPicPr>
+          <p:cNvPr id="4" name="!!그림 2" descr="텍스트, 스크린샷, 디자인이(가) 표시된 사진&#10;&#10;자동 생성된 설명">
+            <a:extLst>
+              <a:ext uri="{FF2B5EF4-FFF2-40B4-BE49-F238E27FC236}">
+                <a16:creationId xmlns:a16="http://schemas.microsoft.com/office/drawing/2014/main" id="{7D57BC60-ADF2-B38F-9E95-D64E191F2E96}"/>
+              </a:ext>
+            </a:extLst>
+          </p:cNvPr>
+          <p:cNvPicPr>
+            <a:picLocks noChangeAspect="1"/>
+          </p:cNvPicPr>
+          <p:nvPr/>
+        </p:nvPicPr>
+        <p:blipFill>
+          <a:blip r:embed="rId2">
+            <a:extLst>
+              <a:ext uri="{28A0092B-C50C-407E-A947-70E740481C1C}">
+                <a14:useLocalDpi xmlns:a14="http://schemas.microsoft.com/office/drawing/2010/main" val="0"/>
+              </a:ext>
+            </a:extLst>
+          </a:blip>
+          <a:stretch>
+            <a:fillRect/>
+          </a:stretch>
+        </p:blipFill>
+        <p:spPr>
+          <a:xfrm>
+            <a:off x="1371600" y="1724025"/>
+            <a:ext cx="9601200" cy="4743450"/>
+          </a:xfrm>
+          <a:prstGeom prst="rect">
+            <a:avLst/>
+          </a:prstGeom>
+        </p:spPr>
+      </p:pic>
     </p:spTree>
     <p:extLst>
       <p:ext uri="{BB962C8B-B14F-4D97-AF65-F5344CB8AC3E}">
-        <p14:creationId xmlns:p14="http://schemas.microsoft.com/office/powerpoint/2010/main" val="83097743"/>
+        <p14:creationId xmlns:p14="http://schemas.microsoft.com/office/powerpoint/2010/main" val="1231556614"/>
       </p:ext>
     </p:extLst>
   </p:cSld>
@@ -4262,45 +4295,92 @@
           <a:bodyPr/>
           <a:lstStyle/>
           <a:p>
+            <a:r>
+              <a:rPr lang="en-US" altLang="ko-KR" dirty="0"/>
+              <a:t>2-1 </a:t>
+            </a:r>
+            <a:r>
+              <a:rPr lang="ko-KR" altLang="en-US" dirty="0"/>
+              <a:t>사용자 </a:t>
+            </a:r>
+            <a:r>
+              <a:rPr lang="en-US" altLang="ko-KR" dirty="0"/>
+              <a:t>– </a:t>
+            </a:r>
+            <a:r>
+              <a:rPr lang="ko-KR" altLang="en-US" dirty="0"/>
+              <a:t>영화 관계 </a:t>
+            </a:r>
+            <a:r>
+              <a:rPr lang="en-US" altLang="ko-KR" dirty="0"/>
+              <a:t>(</a:t>
+            </a:r>
+            <a:r>
+              <a:rPr lang="ko-KR" altLang="en-US" dirty="0"/>
+              <a:t>리뷰</a:t>
+            </a:r>
+            <a:r>
+              <a:rPr lang="en-US" altLang="ko-KR" dirty="0"/>
+              <a:t>)</a:t>
+            </a:r>
             <a:endParaRPr lang="ko-KR" altLang="en-US" dirty="0"/>
           </a:p>
         </p:txBody>
       </p:sp>
-      <p:sp>
-        <p:nvSpPr>
-          <p:cNvPr id="3" name="내용 개체 틀 2">
+      <p:pic>
+        <p:nvPicPr>
+          <p:cNvPr id="3" name="!!그림 3" descr="텍스트, 스크린샷, 소프트웨어, 번호이(가) 표시된 사진&#10;&#10;자동 생성된 설명">
             <a:extLst>
               <a:ext uri="{FF2B5EF4-FFF2-40B4-BE49-F238E27FC236}">
-                <a16:creationId xmlns:a16="http://schemas.microsoft.com/office/drawing/2014/main" id="{1E9AF243-786B-3464-58EE-59D7D1792FA4}"/>
+                <a16:creationId xmlns:a16="http://schemas.microsoft.com/office/drawing/2014/main" id="{0E1134DE-76D0-AFB0-7610-03552E4921B4}"/>
               </a:ext>
             </a:extLst>
           </p:cNvPr>
-          <p:cNvSpPr>
-            <a:spLocks noGrp="1"/>
-          </p:cNvSpPr>
-          <p:nvPr>
-            <p:ph idx="1"/>
-          </p:nvPr>
-        </p:nvSpPr>
-        <p:spPr/>
-        <p:txBody>
-          <a:bodyPr/>
-          <a:lstStyle/>
-          <a:p>
-            <a:endParaRPr lang="ko-KR" altLang="en-US"/>
-          </a:p>
-        </p:txBody>
-      </p:sp>
+          <p:cNvPicPr>
+            <a:picLocks noChangeAspect="1"/>
+          </p:cNvPicPr>
+          <p:nvPr/>
+        </p:nvPicPr>
+        <p:blipFill>
+          <a:blip r:embed="rId2">
+            <a:extLst>
+              <a:ext uri="{28A0092B-C50C-407E-A947-70E740481C1C}">
+                <a14:useLocalDpi xmlns:a14="http://schemas.microsoft.com/office/drawing/2010/main" val="0"/>
+              </a:ext>
+            </a:extLst>
+          </a:blip>
+          <a:stretch>
+            <a:fillRect/>
+          </a:stretch>
+        </p:blipFill>
+        <p:spPr>
+          <a:xfrm>
+            <a:off x="1371600" y="1724024"/>
+            <a:ext cx="9601200" cy="4743449"/>
+          </a:xfrm>
+          <a:prstGeom prst="rect">
+            <a:avLst/>
+          </a:prstGeom>
+        </p:spPr>
+      </p:pic>
     </p:spTree>
     <p:extLst>
       <p:ext uri="{BB962C8B-B14F-4D97-AF65-F5344CB8AC3E}">
-        <p14:creationId xmlns:p14="http://schemas.microsoft.com/office/powerpoint/2010/main" val="3800045609"/>
+        <p14:creationId xmlns:p14="http://schemas.microsoft.com/office/powerpoint/2010/main" val="3144924554"/>
       </p:ext>
     </p:extLst>
   </p:cSld>
   <p:clrMapOvr>
     <a:masterClrMapping/>
   </p:clrMapOvr>
+  <mc:AlternateContent xmlns:mc="http://schemas.openxmlformats.org/markup-compatibility/2006">
+    <mc:Choice xmlns:p14="http://schemas.microsoft.com/office/powerpoint/2010/main" Requires="p14">
+      <p:transition p14:dur="10"/>
+    </mc:Choice>
+    <mc:Fallback>
+      <p:transition/>
+    </mc:Fallback>
+  </mc:AlternateContent>
 </p:sld>
 </file>
 
@@ -4326,6 +4406,239 @@
           <p:cNvPr id="2" name="제목 1">
             <a:extLst>
               <a:ext uri="{FF2B5EF4-FFF2-40B4-BE49-F238E27FC236}">
+                <a16:creationId xmlns:a16="http://schemas.microsoft.com/office/drawing/2014/main" id="{F9A2A5FC-6D2C-AA3B-1F4F-1E4B2CF8D16D}"/>
+              </a:ext>
+            </a:extLst>
+          </p:cNvPr>
+          <p:cNvSpPr>
+            <a:spLocks noGrp="1"/>
+          </p:cNvSpPr>
+          <p:nvPr>
+            <p:ph type="title"/>
+          </p:nvPr>
+        </p:nvSpPr>
+        <p:spPr/>
+        <p:txBody>
+          <a:bodyPr/>
+          <a:lstStyle/>
+          <a:p>
+            <a:r>
+              <a:rPr lang="en-US" altLang="ko-KR" dirty="0"/>
+              <a:t>2-1 </a:t>
+            </a:r>
+            <a:r>
+              <a:rPr lang="ko-KR" altLang="en-US" dirty="0"/>
+              <a:t>영화 </a:t>
+            </a:r>
+            <a:r>
+              <a:rPr lang="en-US" altLang="ko-KR" dirty="0"/>
+              <a:t>- </a:t>
+            </a:r>
+            <a:r>
+              <a:rPr lang="ko-KR" altLang="en-US" dirty="0"/>
+              <a:t>극장 관계</a:t>
+            </a:r>
+          </a:p>
+        </p:txBody>
+      </p:sp>
+      <p:pic>
+        <p:nvPicPr>
+          <p:cNvPr id="4" name="!!그림 2" descr="텍스트, 스크린샷, 소프트웨어, 번호이(가) 표시된 사진&#10;&#10;자동 생성된 설명">
+            <a:extLst>
+              <a:ext uri="{FF2B5EF4-FFF2-40B4-BE49-F238E27FC236}">
+                <a16:creationId xmlns:a16="http://schemas.microsoft.com/office/drawing/2014/main" id="{D05F1B92-268E-2C51-5994-C944D8A9DB4F}"/>
+              </a:ext>
+            </a:extLst>
+          </p:cNvPr>
+          <p:cNvPicPr>
+            <a:picLocks noChangeAspect="1"/>
+          </p:cNvPicPr>
+          <p:nvPr/>
+        </p:nvPicPr>
+        <p:blipFill>
+          <a:blip r:embed="rId2">
+            <a:extLst>
+              <a:ext uri="{28A0092B-C50C-407E-A947-70E740481C1C}">
+                <a14:useLocalDpi xmlns:a14="http://schemas.microsoft.com/office/drawing/2010/main" val="0"/>
+              </a:ext>
+            </a:extLst>
+          </a:blip>
+          <a:stretch>
+            <a:fillRect/>
+          </a:stretch>
+        </p:blipFill>
+        <p:spPr>
+          <a:xfrm>
+            <a:off x="1371600" y="1724024"/>
+            <a:ext cx="9601200" cy="4743449"/>
+          </a:xfrm>
+          <a:prstGeom prst="rect">
+            <a:avLst/>
+          </a:prstGeom>
+        </p:spPr>
+      </p:pic>
+    </p:spTree>
+    <p:extLst>
+      <p:ext uri="{BB962C8B-B14F-4D97-AF65-F5344CB8AC3E}">
+        <p14:creationId xmlns:p14="http://schemas.microsoft.com/office/powerpoint/2010/main" val="3800045609"/>
+      </p:ext>
+    </p:extLst>
+  </p:cSld>
+  <p:clrMapOvr>
+    <a:masterClrMapping/>
+  </p:clrMapOvr>
+</p:sld>
+</file>
+
+<file path=ppt/slides/slide6.xml><?xml version="1.0" encoding="utf-8"?>
+<p:sld xmlns:a="http://schemas.openxmlformats.org/drawingml/2006/main" xmlns:r="http://schemas.openxmlformats.org/officeDocument/2006/relationships" xmlns:p="http://schemas.openxmlformats.org/presentationml/2006/main">
+  <p:cSld>
+    <p:spTree>
+      <p:nvGrpSpPr>
+        <p:cNvPr id="1" name=""/>
+        <p:cNvGrpSpPr/>
+        <p:nvPr/>
+      </p:nvGrpSpPr>
+      <p:grpSpPr>
+        <a:xfrm>
+          <a:off x="0" y="0"/>
+          <a:ext cx="0" cy="0"/>
+          <a:chOff x="0" y="0"/>
+          <a:chExt cx="0" cy="0"/>
+        </a:xfrm>
+      </p:grpSpPr>
+      <p:sp>
+        <p:nvSpPr>
+          <p:cNvPr id="2" name="제목 1">
+            <a:extLst>
+              <a:ext uri="{FF2B5EF4-FFF2-40B4-BE49-F238E27FC236}">
+                <a16:creationId xmlns:a16="http://schemas.microsoft.com/office/drawing/2014/main" id="{F9A2A5FC-6D2C-AA3B-1F4F-1E4B2CF8D16D}"/>
+              </a:ext>
+            </a:extLst>
+          </p:cNvPr>
+          <p:cNvSpPr>
+            <a:spLocks noGrp="1"/>
+          </p:cNvSpPr>
+          <p:nvPr>
+            <p:ph type="title"/>
+          </p:nvPr>
+        </p:nvSpPr>
+        <p:spPr/>
+        <p:txBody>
+          <a:bodyPr/>
+          <a:lstStyle/>
+          <a:p>
+            <a:r>
+              <a:rPr lang="en-US" altLang="ko-KR" dirty="0"/>
+              <a:t>2-1 </a:t>
+            </a:r>
+            <a:r>
+              <a:rPr lang="ko-KR" altLang="en-US" dirty="0"/>
+              <a:t>영화 상세 테이블</a:t>
+            </a:r>
+            <a:r>
+              <a:rPr lang="en-US" altLang="ko-KR" sz="3000" dirty="0"/>
+              <a:t>(</a:t>
+            </a:r>
+            <a:r>
+              <a:rPr lang="ko-KR" altLang="en-US" sz="3000" dirty="0"/>
+              <a:t>영화 </a:t>
+            </a:r>
+            <a:r>
+              <a:rPr lang="en-US" altLang="ko-KR" sz="3000" dirty="0"/>
+              <a:t>- </a:t>
+            </a:r>
+            <a:r>
+              <a:rPr lang="ko-KR" altLang="en-US" sz="3000" dirty="0"/>
+              <a:t>배우</a:t>
+            </a:r>
+            <a:r>
+              <a:rPr lang="en-US" altLang="ko-KR" sz="3000" dirty="0"/>
+              <a:t>/</a:t>
+            </a:r>
+            <a:r>
+              <a:rPr lang="ko-KR" altLang="en-US" sz="3000" dirty="0"/>
+              <a:t>감독 관계</a:t>
+            </a:r>
+            <a:r>
+              <a:rPr lang="en-US" altLang="ko-KR" sz="3000" dirty="0"/>
+              <a:t>)</a:t>
+            </a:r>
+            <a:endParaRPr lang="ko-KR" altLang="en-US" sz="3000" dirty="0"/>
+          </a:p>
+        </p:txBody>
+      </p:sp>
+      <p:pic>
+        <p:nvPicPr>
+          <p:cNvPr id="3" name="!!그림 2" descr="텍스트, 스크린샷, 소프트웨어, 웹 페이지이(가) 표시된 사진&#10;&#10;자동 생성된 설명">
+            <a:extLst>
+              <a:ext uri="{FF2B5EF4-FFF2-40B4-BE49-F238E27FC236}">
+                <a16:creationId xmlns:a16="http://schemas.microsoft.com/office/drawing/2014/main" id="{4CBCCACF-A9DD-FBEA-F9EA-DA91D0E03251}"/>
+              </a:ext>
+            </a:extLst>
+          </p:cNvPr>
+          <p:cNvPicPr>
+            <a:picLocks noChangeAspect="1"/>
+          </p:cNvPicPr>
+          <p:nvPr/>
+        </p:nvPicPr>
+        <p:blipFill>
+          <a:blip r:embed="rId2">
+            <a:extLst>
+              <a:ext uri="{28A0092B-C50C-407E-A947-70E740481C1C}">
+                <a14:useLocalDpi xmlns:a14="http://schemas.microsoft.com/office/drawing/2010/main" val="0"/>
+              </a:ext>
+            </a:extLst>
+          </a:blip>
+          <a:stretch>
+            <a:fillRect/>
+          </a:stretch>
+        </p:blipFill>
+        <p:spPr>
+          <a:xfrm>
+            <a:off x="1371600" y="1724024"/>
+            <a:ext cx="9601200" cy="4743449"/>
+          </a:xfrm>
+          <a:prstGeom prst="rect">
+            <a:avLst/>
+          </a:prstGeom>
+        </p:spPr>
+      </p:pic>
+    </p:spTree>
+    <p:extLst>
+      <p:ext uri="{BB962C8B-B14F-4D97-AF65-F5344CB8AC3E}">
+        <p14:creationId xmlns:p14="http://schemas.microsoft.com/office/powerpoint/2010/main" val="3655797355"/>
+      </p:ext>
+    </p:extLst>
+  </p:cSld>
+  <p:clrMapOvr>
+    <a:masterClrMapping/>
+  </p:clrMapOvr>
+</p:sld>
+</file>
+
+<file path=ppt/slides/slide7.xml><?xml version="1.0" encoding="utf-8"?>
+<p:sld xmlns:a="http://schemas.openxmlformats.org/drawingml/2006/main" xmlns:r="http://schemas.openxmlformats.org/officeDocument/2006/relationships" xmlns:p="http://schemas.openxmlformats.org/presentationml/2006/main">
+  <p:cSld>
+    <p:spTree>
+      <p:nvGrpSpPr>
+        <p:cNvPr id="1" name=""/>
+        <p:cNvGrpSpPr/>
+        <p:nvPr/>
+      </p:nvGrpSpPr>
+      <p:grpSpPr>
+        <a:xfrm>
+          <a:off x="0" y="0"/>
+          <a:ext cx="0" cy="0"/>
+          <a:chOff x="0" y="0"/>
+          <a:chExt cx="0" cy="0"/>
+        </a:xfrm>
+      </p:grpSpPr>
+      <p:sp>
+        <p:nvSpPr>
+          <p:cNvPr id="2" name="제목 1">
+            <a:extLst>
+              <a:ext uri="{FF2B5EF4-FFF2-40B4-BE49-F238E27FC236}">
                 <a16:creationId xmlns:a16="http://schemas.microsoft.com/office/drawing/2014/main" id="{1718A306-1D21-642E-AA3F-DBCC9F6CE31B}"/>
               </a:ext>
             </a:extLst>
@@ -4335,31 +4648,6 @@
           </p:cNvSpPr>
           <p:nvPr>
             <p:ph type="title"/>
-          </p:nvPr>
-        </p:nvSpPr>
-        <p:spPr/>
-        <p:txBody>
-          <a:bodyPr/>
-          <a:lstStyle/>
-          <a:p>
-            <a:endParaRPr lang="ko-KR" altLang="en-US" dirty="0"/>
-          </a:p>
-        </p:txBody>
-      </p:sp>
-      <p:sp>
-        <p:nvSpPr>
-          <p:cNvPr id="3" name="내용 개체 틀 2">
-            <a:extLst>
-              <a:ext uri="{FF2B5EF4-FFF2-40B4-BE49-F238E27FC236}">
-                <a16:creationId xmlns:a16="http://schemas.microsoft.com/office/drawing/2014/main" id="{CD2E21E5-FB18-C7D3-E5A5-15DA82EF2C23}"/>
-              </a:ext>
-            </a:extLst>
-          </p:cNvPr>
-          <p:cNvSpPr>
-            <a:spLocks noGrp="1"/>
-          </p:cNvSpPr>
-          <p:nvPr>
-            <p:ph idx="1"/>
           </p:nvPr>
         </p:nvSpPr>
         <p:spPr/>

--- a/Access/기말발표_오융택.pptx
+++ b/Access/기말발표_오융택.pptx
@@ -287,7 +287,7 @@
           <a:p>
             <a:fld id="{75191D63-6211-4BA6-9FD7-7EFBDB8EA865}" type="datetimeFigureOut">
               <a:rPr lang="ko-KR" altLang="en-US" smtClean="0"/>
-              <a:t>2023-06-01</a:t>
+              <a:t>2023-06-06</a:t>
             </a:fld>
             <a:endParaRPr lang="ko-KR" altLang="en-US"/>
           </a:p>
@@ -617,7 +617,7 @@
           <a:p>
             <a:fld id="{75191D63-6211-4BA6-9FD7-7EFBDB8EA865}" type="datetimeFigureOut">
               <a:rPr lang="ko-KR" altLang="en-US" smtClean="0"/>
-              <a:t>2023-06-01</a:t>
+              <a:t>2023-06-06</a:t>
             </a:fld>
             <a:endParaRPr lang="ko-KR" altLang="en-US"/>
           </a:p>
@@ -797,7 +797,7 @@
           <a:p>
             <a:fld id="{75191D63-6211-4BA6-9FD7-7EFBDB8EA865}" type="datetimeFigureOut">
               <a:rPr lang="ko-KR" altLang="en-US" smtClean="0"/>
-              <a:t>2023-06-01</a:t>
+              <a:t>2023-06-06</a:t>
             </a:fld>
             <a:endParaRPr lang="ko-KR" altLang="en-US"/>
           </a:p>
@@ -967,7 +967,7 @@
           <a:p>
             <a:fld id="{75191D63-6211-4BA6-9FD7-7EFBDB8EA865}" type="datetimeFigureOut">
               <a:rPr lang="ko-KR" altLang="en-US" smtClean="0"/>
-              <a:t>2023-06-01</a:t>
+              <a:t>2023-06-06</a:t>
             </a:fld>
             <a:endParaRPr lang="ko-KR" altLang="en-US"/>
           </a:p>
@@ -1244,7 +1244,7 @@
           <a:p>
             <a:fld id="{75191D63-6211-4BA6-9FD7-7EFBDB8EA865}" type="datetimeFigureOut">
               <a:rPr lang="ko-KR" altLang="en-US" smtClean="0"/>
-              <a:t>2023-06-01</a:t>
+              <a:t>2023-06-06</a:t>
             </a:fld>
             <a:endParaRPr lang="ko-KR" altLang="en-US"/>
           </a:p>
@@ -1638,7 +1638,7 @@
           <a:p>
             <a:fld id="{75191D63-6211-4BA6-9FD7-7EFBDB8EA865}" type="datetimeFigureOut">
               <a:rPr lang="ko-KR" altLang="en-US" smtClean="0"/>
-              <a:t>2023-06-01</a:t>
+              <a:t>2023-06-06</a:t>
             </a:fld>
             <a:endParaRPr lang="ko-KR" altLang="en-US"/>
           </a:p>
@@ -2115,7 +2115,7 @@
           <a:p>
             <a:fld id="{75191D63-6211-4BA6-9FD7-7EFBDB8EA865}" type="datetimeFigureOut">
               <a:rPr lang="ko-KR" altLang="en-US" smtClean="0"/>
-              <a:t>2023-06-01</a:t>
+              <a:t>2023-06-06</a:t>
             </a:fld>
             <a:endParaRPr lang="ko-KR" altLang="en-US"/>
           </a:p>
@@ -2233,7 +2233,7 @@
           <a:p>
             <a:fld id="{75191D63-6211-4BA6-9FD7-7EFBDB8EA865}" type="datetimeFigureOut">
               <a:rPr lang="ko-KR" altLang="en-US" smtClean="0"/>
-              <a:t>2023-06-01</a:t>
+              <a:t>2023-06-06</a:t>
             </a:fld>
             <a:endParaRPr lang="ko-KR" altLang="en-US"/>
           </a:p>
@@ -2328,7 +2328,7 @@
           <a:p>
             <a:fld id="{75191D63-6211-4BA6-9FD7-7EFBDB8EA865}" type="datetimeFigureOut">
               <a:rPr lang="ko-KR" altLang="en-US" smtClean="0"/>
-              <a:t>2023-06-01</a:t>
+              <a:t>2023-06-06</a:t>
             </a:fld>
             <a:endParaRPr lang="ko-KR" altLang="en-US"/>
           </a:p>
@@ -2674,7 +2674,7 @@
           <a:p>
             <a:fld id="{75191D63-6211-4BA6-9FD7-7EFBDB8EA865}" type="datetimeFigureOut">
               <a:rPr lang="ko-KR" altLang="en-US" smtClean="0"/>
-              <a:t>2023-06-01</a:t>
+              <a:t>2023-06-06</a:t>
             </a:fld>
             <a:endParaRPr lang="ko-KR" altLang="en-US"/>
           </a:p>
@@ -3062,7 +3062,7 @@
           <a:p>
             <a:fld id="{75191D63-6211-4BA6-9FD7-7EFBDB8EA865}" type="datetimeFigureOut">
               <a:rPr lang="ko-KR" altLang="en-US" smtClean="0"/>
-              <a:t>2023-06-01</a:t>
+              <a:t>2023-06-06</a:t>
             </a:fld>
             <a:endParaRPr lang="ko-KR" altLang="en-US"/>
           </a:p>
@@ -3340,7 +3340,7 @@
           <a:p>
             <a:fld id="{75191D63-6211-4BA6-9FD7-7EFBDB8EA865}" type="datetimeFigureOut">
               <a:rPr lang="ko-KR" altLang="en-US" smtClean="0"/>
-              <a:t>2023-06-01</a:t>
+              <a:t>2023-06-06</a:t>
             </a:fld>
             <a:endParaRPr lang="ko-KR" altLang="en-US"/>
           </a:p>
@@ -4373,11 +4373,11 @@
   <p:clrMapOvr>
     <a:masterClrMapping/>
   </p:clrMapOvr>
-  <mc:AlternateContent xmlns:mc="http://schemas.openxmlformats.org/markup-compatibility/2006">
-    <mc:Choice xmlns:p14="http://schemas.microsoft.com/office/powerpoint/2010/main" Requires="p14">
+  <mc:AlternateContent xmlns:mc="http://schemas.openxmlformats.org/markup-compatibility/2006" xmlns:p14="http://schemas.microsoft.com/office/powerpoint/2010/main">
+    <mc:Choice Requires="p14">
       <p:transition p14:dur="10"/>
     </mc:Choice>
-    <mc:Fallback>
+    <mc:Fallback xmlns="">
       <p:transition/>
     </mc:Fallback>
   </mc:AlternateContent>

--- a/Access/기말발표_오융택.pptx
+++ b/Access/기말발표_오융택.pptx
@@ -7,11 +7,16 @@
   <p:sldIdLst>
     <p:sldId id="256" r:id="rId2"/>
     <p:sldId id="257" r:id="rId3"/>
-    <p:sldId id="261" r:id="rId4"/>
-    <p:sldId id="262" r:id="rId5"/>
-    <p:sldId id="259" r:id="rId6"/>
-    <p:sldId id="263" r:id="rId7"/>
-    <p:sldId id="260" r:id="rId8"/>
+    <p:sldId id="264" r:id="rId4"/>
+    <p:sldId id="261" r:id="rId5"/>
+    <p:sldId id="262" r:id="rId6"/>
+    <p:sldId id="259" r:id="rId7"/>
+    <p:sldId id="263" r:id="rId8"/>
+    <p:sldId id="265" r:id="rId9"/>
+    <p:sldId id="266" r:id="rId10"/>
+    <p:sldId id="268" r:id="rId11"/>
+    <p:sldId id="270" r:id="rId12"/>
+    <p:sldId id="269" r:id="rId13"/>
   </p:sldIdLst>
   <p:sldSz cx="12192000" cy="6858000"/>
   <p:notesSz cx="6858000" cy="9144000"/>
@@ -287,7 +292,7 @@
           <a:p>
             <a:fld id="{75191D63-6211-4BA6-9FD7-7EFBDB8EA865}" type="datetimeFigureOut">
               <a:rPr lang="ko-KR" altLang="en-US" smtClean="0"/>
-              <a:t>2023-06-06</a:t>
+              <a:t>2023-06-08</a:t>
             </a:fld>
             <a:endParaRPr lang="ko-KR" altLang="en-US"/>
           </a:p>
@@ -617,7 +622,7 @@
           <a:p>
             <a:fld id="{75191D63-6211-4BA6-9FD7-7EFBDB8EA865}" type="datetimeFigureOut">
               <a:rPr lang="ko-KR" altLang="en-US" smtClean="0"/>
-              <a:t>2023-06-06</a:t>
+              <a:t>2023-06-08</a:t>
             </a:fld>
             <a:endParaRPr lang="ko-KR" altLang="en-US"/>
           </a:p>
@@ -797,7 +802,7 @@
           <a:p>
             <a:fld id="{75191D63-6211-4BA6-9FD7-7EFBDB8EA865}" type="datetimeFigureOut">
               <a:rPr lang="ko-KR" altLang="en-US" smtClean="0"/>
-              <a:t>2023-06-06</a:t>
+              <a:t>2023-06-08</a:t>
             </a:fld>
             <a:endParaRPr lang="ko-KR" altLang="en-US"/>
           </a:p>
@@ -967,7 +972,7 @@
           <a:p>
             <a:fld id="{75191D63-6211-4BA6-9FD7-7EFBDB8EA865}" type="datetimeFigureOut">
               <a:rPr lang="ko-KR" altLang="en-US" smtClean="0"/>
-              <a:t>2023-06-06</a:t>
+              <a:t>2023-06-08</a:t>
             </a:fld>
             <a:endParaRPr lang="ko-KR" altLang="en-US"/>
           </a:p>
@@ -1244,7 +1249,7 @@
           <a:p>
             <a:fld id="{75191D63-6211-4BA6-9FD7-7EFBDB8EA865}" type="datetimeFigureOut">
               <a:rPr lang="ko-KR" altLang="en-US" smtClean="0"/>
-              <a:t>2023-06-06</a:t>
+              <a:t>2023-06-08</a:t>
             </a:fld>
             <a:endParaRPr lang="ko-KR" altLang="en-US"/>
           </a:p>
@@ -1638,7 +1643,7 @@
           <a:p>
             <a:fld id="{75191D63-6211-4BA6-9FD7-7EFBDB8EA865}" type="datetimeFigureOut">
               <a:rPr lang="ko-KR" altLang="en-US" smtClean="0"/>
-              <a:t>2023-06-06</a:t>
+              <a:t>2023-06-08</a:t>
             </a:fld>
             <a:endParaRPr lang="ko-KR" altLang="en-US"/>
           </a:p>
@@ -2115,7 +2120,7 @@
           <a:p>
             <a:fld id="{75191D63-6211-4BA6-9FD7-7EFBDB8EA865}" type="datetimeFigureOut">
               <a:rPr lang="ko-KR" altLang="en-US" smtClean="0"/>
-              <a:t>2023-06-06</a:t>
+              <a:t>2023-06-08</a:t>
             </a:fld>
             <a:endParaRPr lang="ko-KR" altLang="en-US"/>
           </a:p>
@@ -2233,7 +2238,7 @@
           <a:p>
             <a:fld id="{75191D63-6211-4BA6-9FD7-7EFBDB8EA865}" type="datetimeFigureOut">
               <a:rPr lang="ko-KR" altLang="en-US" smtClean="0"/>
-              <a:t>2023-06-06</a:t>
+              <a:t>2023-06-08</a:t>
             </a:fld>
             <a:endParaRPr lang="ko-KR" altLang="en-US"/>
           </a:p>
@@ -2328,7 +2333,7 @@
           <a:p>
             <a:fld id="{75191D63-6211-4BA6-9FD7-7EFBDB8EA865}" type="datetimeFigureOut">
               <a:rPr lang="ko-KR" altLang="en-US" smtClean="0"/>
-              <a:t>2023-06-06</a:t>
+              <a:t>2023-06-08</a:t>
             </a:fld>
             <a:endParaRPr lang="ko-KR" altLang="en-US"/>
           </a:p>
@@ -2674,7 +2679,7 @@
           <a:p>
             <a:fld id="{75191D63-6211-4BA6-9FD7-7EFBDB8EA865}" type="datetimeFigureOut">
               <a:rPr lang="ko-KR" altLang="en-US" smtClean="0"/>
-              <a:t>2023-06-06</a:t>
+              <a:t>2023-06-08</a:t>
             </a:fld>
             <a:endParaRPr lang="ko-KR" altLang="en-US"/>
           </a:p>
@@ -3062,7 +3067,7 @@
           <a:p>
             <a:fld id="{75191D63-6211-4BA6-9FD7-7EFBDB8EA865}" type="datetimeFigureOut">
               <a:rPr lang="ko-KR" altLang="en-US" smtClean="0"/>
-              <a:t>2023-06-06</a:t>
+              <a:t>2023-06-08</a:t>
             </a:fld>
             <a:endParaRPr lang="ko-KR" altLang="en-US"/>
           </a:p>
@@ -3340,7 +3345,7 @@
           <a:p>
             <a:fld id="{75191D63-6211-4BA6-9FD7-7EFBDB8EA865}" type="datetimeFigureOut">
               <a:rPr lang="ko-KR" altLang="en-US" smtClean="0"/>
-              <a:t>2023-06-06</a:t>
+              <a:t>2023-06-08</a:t>
             </a:fld>
             <a:endParaRPr lang="ko-KR" altLang="en-US"/>
           </a:p>
@@ -3880,7 +3885,7 @@
           <a:p>
             <a:r>
               <a:rPr lang="en-US" altLang="ko-KR" sz="8000" dirty="0"/>
-              <a:t>H M R</a:t>
+              <a:t>H M</a:t>
             </a:r>
             <a:br>
               <a:rPr lang="en-US" altLang="ko-KR" sz="8000" dirty="0"/>
@@ -3943,6 +3948,1125 @@
     <p:extLst>
       <p:ext uri="{BB962C8B-B14F-4D97-AF65-F5344CB8AC3E}">
         <p14:creationId xmlns:p14="http://schemas.microsoft.com/office/powerpoint/2010/main" val="2660157388"/>
+      </p:ext>
+    </p:extLst>
+  </p:cSld>
+  <p:clrMapOvr>
+    <a:masterClrMapping/>
+  </p:clrMapOvr>
+</p:sld>
+</file>
+
+<file path=ppt/slides/slide10.xml><?xml version="1.0" encoding="utf-8"?>
+<p:sld xmlns:a="http://schemas.openxmlformats.org/drawingml/2006/main" xmlns:r="http://schemas.openxmlformats.org/officeDocument/2006/relationships" xmlns:p="http://schemas.openxmlformats.org/presentationml/2006/main">
+  <p:cSld>
+    <p:spTree>
+      <p:nvGrpSpPr>
+        <p:cNvPr id="1" name=""/>
+        <p:cNvGrpSpPr/>
+        <p:nvPr/>
+      </p:nvGrpSpPr>
+      <p:grpSpPr>
+        <a:xfrm>
+          <a:off x="0" y="0"/>
+          <a:ext cx="0" cy="0"/>
+          <a:chOff x="0" y="0"/>
+          <a:chExt cx="0" cy="0"/>
+        </a:xfrm>
+      </p:grpSpPr>
+      <p:sp>
+        <p:nvSpPr>
+          <p:cNvPr id="2" name="제목 1">
+            <a:extLst>
+              <a:ext uri="{FF2B5EF4-FFF2-40B4-BE49-F238E27FC236}">
+                <a16:creationId xmlns:a16="http://schemas.microsoft.com/office/drawing/2014/main" id="{F9A2A5FC-6D2C-AA3B-1F4F-1E4B2CF8D16D}"/>
+              </a:ext>
+            </a:extLst>
+          </p:cNvPr>
+          <p:cNvSpPr>
+            <a:spLocks noGrp="1"/>
+          </p:cNvSpPr>
+          <p:nvPr>
+            <p:ph type="title"/>
+          </p:nvPr>
+        </p:nvSpPr>
+        <p:spPr>
+          <a:xfrm>
+            <a:off x="1295400" y="685800"/>
+            <a:ext cx="9601200" cy="1485900"/>
+          </a:xfrm>
+        </p:spPr>
+        <p:txBody>
+          <a:bodyPr/>
+          <a:lstStyle/>
+          <a:p>
+            <a:r>
+              <a:rPr lang="en-US" altLang="ko-KR" dirty="0"/>
+              <a:t>3 </a:t>
+            </a:r>
+            <a:r>
+              <a:rPr lang="ko-KR" altLang="en-US" dirty="0"/>
+              <a:t>폼 디자인</a:t>
+            </a:r>
+            <a:br>
+              <a:rPr lang="en-US" altLang="ko-KR" dirty="0"/>
+            </a:br>
+            <a:r>
+              <a:rPr lang="en-US" altLang="ko-KR" dirty="0"/>
+              <a:t>	3)</a:t>
+            </a:r>
+            <a:r>
+              <a:rPr lang="en-US" altLang="ko-KR" sz="3600" dirty="0"/>
+              <a:t> </a:t>
+            </a:r>
+            <a:r>
+              <a:rPr lang="ko-KR" altLang="en-US" sz="3600" dirty="0"/>
+              <a:t>관리자 계정</a:t>
+            </a:r>
+            <a:endParaRPr lang="ko-KR" altLang="en-US" sz="3000" dirty="0"/>
+          </a:p>
+        </p:txBody>
+      </p:sp>
+      <p:pic>
+        <p:nvPicPr>
+          <p:cNvPr id="4" name="그림 3" descr="텍스트, 스크린샷, 디스플레이, 소프트웨어이(가) 표시된 사진&#10;&#10;자동 생성된 설명">
+            <a:extLst>
+              <a:ext uri="{FF2B5EF4-FFF2-40B4-BE49-F238E27FC236}">
+                <a16:creationId xmlns:a16="http://schemas.microsoft.com/office/drawing/2014/main" id="{7E7015E2-36F8-7B46-EF42-972C981C283F}"/>
+              </a:ext>
+            </a:extLst>
+          </p:cNvPr>
+          <p:cNvPicPr>
+            <a:picLocks noChangeAspect="1"/>
+          </p:cNvPicPr>
+          <p:nvPr/>
+        </p:nvPicPr>
+        <p:blipFill>
+          <a:blip r:embed="rId2">
+            <a:extLst>
+              <a:ext uri="{28A0092B-C50C-407E-A947-70E740481C1C}">
+                <a14:useLocalDpi xmlns:a14="http://schemas.microsoft.com/office/drawing/2010/main" val="0"/>
+              </a:ext>
+            </a:extLst>
+          </a:blip>
+          <a:stretch>
+            <a:fillRect/>
+          </a:stretch>
+        </p:blipFill>
+        <p:spPr>
+          <a:xfrm>
+            <a:off x="2370406" y="2171700"/>
+            <a:ext cx="5725551" cy="4526143"/>
+          </a:xfrm>
+          <a:prstGeom prst="rect">
+            <a:avLst/>
+          </a:prstGeom>
+        </p:spPr>
+      </p:pic>
+      <p:sp>
+        <p:nvSpPr>
+          <p:cNvPr id="6" name="TextBox 5">
+            <a:extLst>
+              <a:ext uri="{FF2B5EF4-FFF2-40B4-BE49-F238E27FC236}">
+                <a16:creationId xmlns:a16="http://schemas.microsoft.com/office/drawing/2014/main" id="{40867A85-2444-5C76-9155-A776CD66BBE0}"/>
+              </a:ext>
+            </a:extLst>
+          </p:cNvPr>
+          <p:cNvSpPr txBox="1"/>
+          <p:nvPr/>
+        </p:nvSpPr>
+        <p:spPr>
+          <a:xfrm>
+            <a:off x="8567225" y="3028890"/>
+            <a:ext cx="3193366" cy="400110"/>
+          </a:xfrm>
+          <a:prstGeom prst="rect">
+            <a:avLst/>
+          </a:prstGeom>
+          <a:noFill/>
+          <a:ln>
+            <a:noFill/>
+          </a:ln>
+        </p:spPr>
+        <p:txBody>
+          <a:bodyPr wrap="square" rtlCol="0">
+            <a:spAutoFit/>
+          </a:bodyPr>
+          <a:lstStyle/>
+          <a:p>
+            <a:r>
+              <a:rPr lang="en-US" altLang="ko-KR" sz="2000" b="1" dirty="0">
+                <a:solidFill>
+                  <a:srgbClr val="0070C0"/>
+                </a:solidFill>
+              </a:rPr>
+              <a:t>B. </a:t>
+            </a:r>
+            <a:r>
+              <a:rPr lang="ko-KR" altLang="en-US" sz="2000" b="1" dirty="0">
+                <a:solidFill>
+                  <a:srgbClr val="0070C0"/>
+                </a:solidFill>
+              </a:rPr>
+              <a:t>테이블 선택</a:t>
+            </a:r>
+          </a:p>
+        </p:txBody>
+      </p:sp>
+      <p:cxnSp>
+        <p:nvCxnSpPr>
+          <p:cNvPr id="9" name="직선 화살표 연결선 8">
+            <a:extLst>
+              <a:ext uri="{FF2B5EF4-FFF2-40B4-BE49-F238E27FC236}">
+                <a16:creationId xmlns:a16="http://schemas.microsoft.com/office/drawing/2014/main" id="{D898A097-5B9C-9B43-8F8A-A1C733DEB3BF}"/>
+              </a:ext>
+            </a:extLst>
+          </p:cNvPr>
+          <p:cNvCxnSpPr>
+            <a:cxnSpLocks/>
+            <a:stCxn id="6" idx="1"/>
+          </p:cNvCxnSpPr>
+          <p:nvPr/>
+        </p:nvCxnSpPr>
+        <p:spPr>
+          <a:xfrm flipH="1">
+            <a:off x="5233181" y="3228945"/>
+            <a:ext cx="3334044" cy="123855"/>
+          </a:xfrm>
+          <a:prstGeom prst="straightConnector1">
+            <a:avLst/>
+          </a:prstGeom>
+          <a:ln>
+            <a:solidFill>
+              <a:srgbClr val="0070C0"/>
+            </a:solidFill>
+            <a:tailEnd type="triangle"/>
+          </a:ln>
+        </p:spPr>
+        <p:style>
+          <a:lnRef idx="1">
+            <a:schemeClr val="accent1"/>
+          </a:lnRef>
+          <a:fillRef idx="0">
+            <a:schemeClr val="accent1"/>
+          </a:fillRef>
+          <a:effectRef idx="0">
+            <a:schemeClr val="accent1"/>
+          </a:effectRef>
+          <a:fontRef idx="minor">
+            <a:schemeClr val="tx1"/>
+          </a:fontRef>
+        </p:style>
+      </p:cxnSp>
+      <p:sp>
+        <p:nvSpPr>
+          <p:cNvPr id="15" name="TextBox 14">
+            <a:extLst>
+              <a:ext uri="{FF2B5EF4-FFF2-40B4-BE49-F238E27FC236}">
+                <a16:creationId xmlns:a16="http://schemas.microsoft.com/office/drawing/2014/main" id="{D5290BCF-6B07-AC72-63EC-579E643BAF37}"/>
+              </a:ext>
+            </a:extLst>
+          </p:cNvPr>
+          <p:cNvSpPr txBox="1"/>
+          <p:nvPr/>
+        </p:nvSpPr>
+        <p:spPr>
+          <a:xfrm>
+            <a:off x="8567225" y="2171700"/>
+            <a:ext cx="3193366" cy="400110"/>
+          </a:xfrm>
+          <a:prstGeom prst="rect">
+            <a:avLst/>
+          </a:prstGeom>
+          <a:noFill/>
+        </p:spPr>
+        <p:txBody>
+          <a:bodyPr wrap="square" rtlCol="0">
+            <a:spAutoFit/>
+          </a:bodyPr>
+          <a:lstStyle/>
+          <a:p>
+            <a:r>
+              <a:rPr lang="en-US" altLang="ko-KR" sz="2000" b="1" dirty="0">
+                <a:solidFill>
+                  <a:schemeClr val="accent1"/>
+                </a:solidFill>
+              </a:rPr>
+              <a:t>A. </a:t>
+            </a:r>
+            <a:r>
+              <a:rPr lang="ko-KR" altLang="en-US" sz="2000" b="1" dirty="0">
+                <a:solidFill>
+                  <a:schemeClr val="accent1"/>
+                </a:solidFill>
+              </a:rPr>
+              <a:t>테이블 선택</a:t>
+            </a:r>
+          </a:p>
+        </p:txBody>
+      </p:sp>
+      <p:sp>
+        <p:nvSpPr>
+          <p:cNvPr id="16" name="TextBox 15">
+            <a:extLst>
+              <a:ext uri="{FF2B5EF4-FFF2-40B4-BE49-F238E27FC236}">
+                <a16:creationId xmlns:a16="http://schemas.microsoft.com/office/drawing/2014/main" id="{F118B120-6856-CCD3-0A76-EC1CE3C656C7}"/>
+              </a:ext>
+            </a:extLst>
+          </p:cNvPr>
+          <p:cNvSpPr txBox="1"/>
+          <p:nvPr/>
+        </p:nvSpPr>
+        <p:spPr>
+          <a:xfrm>
+            <a:off x="8567225" y="6172200"/>
+            <a:ext cx="3193366" cy="400110"/>
+          </a:xfrm>
+          <a:prstGeom prst="rect">
+            <a:avLst/>
+          </a:prstGeom>
+          <a:noFill/>
+        </p:spPr>
+        <p:txBody>
+          <a:bodyPr wrap="square" rtlCol="0">
+            <a:spAutoFit/>
+          </a:bodyPr>
+          <a:lstStyle/>
+          <a:p>
+            <a:r>
+              <a:rPr lang="en-US" altLang="ko-KR" sz="2000" b="1" dirty="0">
+                <a:solidFill>
+                  <a:schemeClr val="tx1">
+                    <a:lumMod val="85000"/>
+                    <a:lumOff val="15000"/>
+                  </a:schemeClr>
+                </a:solidFill>
+              </a:rPr>
+              <a:t>C. </a:t>
+            </a:r>
+            <a:r>
+              <a:rPr lang="ko-KR" altLang="en-US" sz="2000" b="1" dirty="0">
+                <a:solidFill>
+                  <a:schemeClr val="tx1">
+                    <a:lumMod val="85000"/>
+                    <a:lumOff val="15000"/>
+                  </a:schemeClr>
+                </a:solidFill>
+              </a:rPr>
+              <a:t>데이터 조작</a:t>
+            </a:r>
+          </a:p>
+        </p:txBody>
+      </p:sp>
+      <p:cxnSp>
+        <p:nvCxnSpPr>
+          <p:cNvPr id="18" name="직선 화살표 연결선 17">
+            <a:extLst>
+              <a:ext uri="{FF2B5EF4-FFF2-40B4-BE49-F238E27FC236}">
+                <a16:creationId xmlns:a16="http://schemas.microsoft.com/office/drawing/2014/main" id="{BCCE4A2D-E13F-64F7-9F42-542338774B89}"/>
+              </a:ext>
+            </a:extLst>
+          </p:cNvPr>
+          <p:cNvCxnSpPr>
+            <a:cxnSpLocks/>
+            <a:stCxn id="16" idx="1"/>
+          </p:cNvCxnSpPr>
+          <p:nvPr/>
+        </p:nvCxnSpPr>
+        <p:spPr>
+          <a:xfrm flipH="1">
+            <a:off x="7620000" y="6372255"/>
+            <a:ext cx="947225" cy="0"/>
+          </a:xfrm>
+          <a:prstGeom prst="straightConnector1">
+            <a:avLst/>
+          </a:prstGeom>
+          <a:ln>
+            <a:solidFill>
+              <a:schemeClr val="tx1"/>
+            </a:solidFill>
+            <a:tailEnd type="triangle"/>
+          </a:ln>
+        </p:spPr>
+        <p:style>
+          <a:lnRef idx="1">
+            <a:schemeClr val="accent1"/>
+          </a:lnRef>
+          <a:fillRef idx="0">
+            <a:schemeClr val="accent1"/>
+          </a:fillRef>
+          <a:effectRef idx="0">
+            <a:schemeClr val="accent1"/>
+          </a:effectRef>
+          <a:fontRef idx="minor">
+            <a:schemeClr val="tx1"/>
+          </a:fontRef>
+        </p:style>
+      </p:cxnSp>
+      <p:cxnSp>
+        <p:nvCxnSpPr>
+          <p:cNvPr id="20" name="직선 화살표 연결선 19">
+            <a:extLst>
+              <a:ext uri="{FF2B5EF4-FFF2-40B4-BE49-F238E27FC236}">
+                <a16:creationId xmlns:a16="http://schemas.microsoft.com/office/drawing/2014/main" id="{641EF59A-BC26-B7B5-2DEF-DF36860E27D1}"/>
+              </a:ext>
+            </a:extLst>
+          </p:cNvPr>
+          <p:cNvCxnSpPr>
+            <a:stCxn id="15" idx="1"/>
+          </p:cNvCxnSpPr>
+          <p:nvPr/>
+        </p:nvCxnSpPr>
+        <p:spPr>
+          <a:xfrm flipH="1">
+            <a:off x="5549900" y="2371755"/>
+            <a:ext cx="3017325" cy="434945"/>
+          </a:xfrm>
+          <a:prstGeom prst="straightConnector1">
+            <a:avLst/>
+          </a:prstGeom>
+          <a:ln>
+            <a:tailEnd type="triangle"/>
+          </a:ln>
+        </p:spPr>
+        <p:style>
+          <a:lnRef idx="1">
+            <a:schemeClr val="accent1"/>
+          </a:lnRef>
+          <a:fillRef idx="0">
+            <a:schemeClr val="accent1"/>
+          </a:fillRef>
+          <a:effectRef idx="0">
+            <a:schemeClr val="accent1"/>
+          </a:effectRef>
+          <a:fontRef idx="minor">
+            <a:schemeClr val="tx1"/>
+          </a:fontRef>
+        </p:style>
+      </p:cxnSp>
+      <p:sp>
+        <p:nvSpPr>
+          <p:cNvPr id="21" name="직사각형 20">
+            <a:extLst>
+              <a:ext uri="{FF2B5EF4-FFF2-40B4-BE49-F238E27FC236}">
+                <a16:creationId xmlns:a16="http://schemas.microsoft.com/office/drawing/2014/main" id="{A6DE25F8-C05F-101D-B273-F42DA2AF1509}"/>
+              </a:ext>
+            </a:extLst>
+          </p:cNvPr>
+          <p:cNvSpPr/>
+          <p:nvPr/>
+        </p:nvSpPr>
+        <p:spPr>
+          <a:xfrm>
+            <a:off x="2501900" y="2517131"/>
+            <a:ext cx="2984500" cy="711814"/>
+          </a:xfrm>
+          <a:prstGeom prst="rect">
+            <a:avLst/>
+          </a:prstGeom>
+          <a:noFill/>
+          <a:ln>
+            <a:solidFill>
+              <a:schemeClr val="accent1"/>
+            </a:solidFill>
+          </a:ln>
+        </p:spPr>
+        <p:style>
+          <a:lnRef idx="2">
+            <a:schemeClr val="accent1">
+              <a:shade val="15000"/>
+            </a:schemeClr>
+          </a:lnRef>
+          <a:fillRef idx="1">
+            <a:schemeClr val="accent1"/>
+          </a:fillRef>
+          <a:effectRef idx="0">
+            <a:schemeClr val="accent1"/>
+          </a:effectRef>
+          <a:fontRef idx="minor">
+            <a:schemeClr val="lt1"/>
+          </a:fontRef>
+        </p:style>
+        <p:txBody>
+          <a:bodyPr rtlCol="0" anchor="ctr"/>
+          <a:lstStyle/>
+          <a:p>
+            <a:pPr algn="ctr"/>
+            <a:endParaRPr lang="ko-KR" altLang="en-US">
+              <a:solidFill>
+                <a:schemeClr val="accent1"/>
+              </a:solidFill>
+            </a:endParaRPr>
+          </a:p>
+        </p:txBody>
+      </p:sp>
+      <p:sp>
+        <p:nvSpPr>
+          <p:cNvPr id="22" name="직사각형 21">
+            <a:extLst>
+              <a:ext uri="{FF2B5EF4-FFF2-40B4-BE49-F238E27FC236}">
+                <a16:creationId xmlns:a16="http://schemas.microsoft.com/office/drawing/2014/main" id="{FA9066FC-4753-592E-6E3B-245928825953}"/>
+              </a:ext>
+            </a:extLst>
+          </p:cNvPr>
+          <p:cNvSpPr/>
+          <p:nvPr/>
+        </p:nvSpPr>
+        <p:spPr>
+          <a:xfrm>
+            <a:off x="6096000" y="6172200"/>
+            <a:ext cx="1524000" cy="400110"/>
+          </a:xfrm>
+          <a:prstGeom prst="rect">
+            <a:avLst/>
+          </a:prstGeom>
+          <a:noFill/>
+          <a:ln>
+            <a:solidFill>
+              <a:schemeClr val="tx1"/>
+            </a:solidFill>
+          </a:ln>
+        </p:spPr>
+        <p:style>
+          <a:lnRef idx="2">
+            <a:schemeClr val="accent1">
+              <a:shade val="15000"/>
+            </a:schemeClr>
+          </a:lnRef>
+          <a:fillRef idx="1">
+            <a:schemeClr val="accent1"/>
+          </a:fillRef>
+          <a:effectRef idx="0">
+            <a:schemeClr val="accent1"/>
+          </a:effectRef>
+          <a:fontRef idx="minor">
+            <a:schemeClr val="lt1"/>
+          </a:fontRef>
+        </p:style>
+        <p:txBody>
+          <a:bodyPr rtlCol="0" anchor="ctr"/>
+          <a:lstStyle/>
+          <a:p>
+            <a:pPr algn="ctr"/>
+            <a:endParaRPr lang="ko-KR" altLang="en-US"/>
+          </a:p>
+        </p:txBody>
+      </p:sp>
+    </p:spTree>
+    <p:extLst>
+      <p:ext uri="{BB962C8B-B14F-4D97-AF65-F5344CB8AC3E}">
+        <p14:creationId xmlns:p14="http://schemas.microsoft.com/office/powerpoint/2010/main" val="3093402763"/>
+      </p:ext>
+    </p:extLst>
+  </p:cSld>
+  <p:clrMapOvr>
+    <a:masterClrMapping/>
+  </p:clrMapOvr>
+</p:sld>
+</file>
+
+<file path=ppt/slides/slide11.xml><?xml version="1.0" encoding="utf-8"?>
+<p:sld xmlns:a="http://schemas.openxmlformats.org/drawingml/2006/main" xmlns:r="http://schemas.openxmlformats.org/officeDocument/2006/relationships" xmlns:p="http://schemas.openxmlformats.org/presentationml/2006/main">
+  <p:cSld>
+    <p:spTree>
+      <p:nvGrpSpPr>
+        <p:cNvPr id="1" name=""/>
+        <p:cNvGrpSpPr/>
+        <p:nvPr/>
+      </p:nvGrpSpPr>
+      <p:grpSpPr>
+        <a:xfrm>
+          <a:off x="0" y="0"/>
+          <a:ext cx="0" cy="0"/>
+          <a:chOff x="0" y="0"/>
+          <a:chExt cx="0" cy="0"/>
+        </a:xfrm>
+      </p:grpSpPr>
+      <p:sp>
+        <p:nvSpPr>
+          <p:cNvPr id="2" name="제목 1">
+            <a:extLst>
+              <a:ext uri="{FF2B5EF4-FFF2-40B4-BE49-F238E27FC236}">
+                <a16:creationId xmlns:a16="http://schemas.microsoft.com/office/drawing/2014/main" id="{F9A2A5FC-6D2C-AA3B-1F4F-1E4B2CF8D16D}"/>
+              </a:ext>
+            </a:extLst>
+          </p:cNvPr>
+          <p:cNvSpPr>
+            <a:spLocks noGrp="1"/>
+          </p:cNvSpPr>
+          <p:nvPr>
+            <p:ph type="title"/>
+          </p:nvPr>
+        </p:nvSpPr>
+        <p:spPr>
+          <a:xfrm>
+            <a:off x="1295400" y="685800"/>
+            <a:ext cx="9601200" cy="1485900"/>
+          </a:xfrm>
+        </p:spPr>
+        <p:txBody>
+          <a:bodyPr/>
+          <a:lstStyle/>
+          <a:p>
+            <a:r>
+              <a:rPr lang="en-US" altLang="ko-KR" dirty="0"/>
+              <a:t>4 </a:t>
+            </a:r>
+            <a:r>
+              <a:rPr lang="ko-KR" altLang="en-US" dirty="0"/>
+              <a:t>영화 보고서</a:t>
+            </a:r>
+            <a:br>
+              <a:rPr lang="en-US" altLang="ko-KR" dirty="0"/>
+            </a:br>
+            <a:r>
+              <a:rPr lang="en-US" altLang="ko-KR" dirty="0"/>
+              <a:t>	</a:t>
+            </a:r>
+            <a:endParaRPr lang="ko-KR" altLang="en-US" sz="3000" dirty="0"/>
+          </a:p>
+        </p:txBody>
+      </p:sp>
+      <p:pic>
+        <p:nvPicPr>
+          <p:cNvPr id="5" name="그림 4" descr="텍스트, 스크린샷, 번호, 소프트웨어이(가) 표시된 사진&#10;&#10;자동 생성된 설명">
+            <a:extLst>
+              <a:ext uri="{FF2B5EF4-FFF2-40B4-BE49-F238E27FC236}">
+                <a16:creationId xmlns:a16="http://schemas.microsoft.com/office/drawing/2014/main" id="{2A2CF153-DE49-4697-E69F-42BA0ED3CF01}"/>
+              </a:ext>
+            </a:extLst>
+          </p:cNvPr>
+          <p:cNvPicPr>
+            <a:picLocks noChangeAspect="1"/>
+          </p:cNvPicPr>
+          <p:nvPr/>
+        </p:nvPicPr>
+        <p:blipFill>
+          <a:blip r:embed="rId2">
+            <a:extLst>
+              <a:ext uri="{28A0092B-C50C-407E-A947-70E740481C1C}">
+                <a14:useLocalDpi xmlns:a14="http://schemas.microsoft.com/office/drawing/2010/main" val="0"/>
+              </a:ext>
+            </a:extLst>
+          </a:blip>
+          <a:stretch>
+            <a:fillRect/>
+          </a:stretch>
+        </p:blipFill>
+        <p:spPr>
+          <a:xfrm>
+            <a:off x="2019300" y="1428750"/>
+            <a:ext cx="3924300" cy="5197046"/>
+          </a:xfrm>
+          <a:prstGeom prst="rect">
+            <a:avLst/>
+          </a:prstGeom>
+        </p:spPr>
+      </p:pic>
+      <p:sp>
+        <p:nvSpPr>
+          <p:cNvPr id="7" name="TextBox 6">
+            <a:extLst>
+              <a:ext uri="{FF2B5EF4-FFF2-40B4-BE49-F238E27FC236}">
+                <a16:creationId xmlns:a16="http://schemas.microsoft.com/office/drawing/2014/main" id="{591969F0-31AD-518C-7F5A-81D39FF666C6}"/>
+              </a:ext>
+            </a:extLst>
+          </p:cNvPr>
+          <p:cNvSpPr txBox="1"/>
+          <p:nvPr/>
+        </p:nvSpPr>
+        <p:spPr>
+          <a:xfrm>
+            <a:off x="6544820" y="1428750"/>
+            <a:ext cx="4304383" cy="2092881"/>
+          </a:xfrm>
+          <a:prstGeom prst="rect">
+            <a:avLst/>
+          </a:prstGeom>
+          <a:noFill/>
+        </p:spPr>
+        <p:txBody>
+          <a:bodyPr wrap="none" rtlCol="0">
+            <a:spAutoFit/>
+          </a:bodyPr>
+          <a:lstStyle/>
+          <a:p>
+            <a:r>
+              <a:rPr lang="en-US" altLang="ko-KR" sz="2600" b="1" dirty="0">
+                <a:solidFill>
+                  <a:srgbClr val="00B0F0"/>
+                </a:solidFill>
+              </a:rPr>
+              <a:t>1</a:t>
+            </a:r>
+            <a:r>
+              <a:rPr lang="ko-KR" altLang="en-US" sz="2600" b="1" dirty="0">
+                <a:solidFill>
+                  <a:srgbClr val="00B0F0"/>
+                </a:solidFill>
+              </a:rPr>
+              <a:t>단계 그룹화 </a:t>
+            </a:r>
+            <a:r>
+              <a:rPr lang="en-US" altLang="ko-KR" sz="2600" b="1" dirty="0">
+                <a:solidFill>
+                  <a:srgbClr val="00B0F0"/>
+                </a:solidFill>
+              </a:rPr>
+              <a:t>: </a:t>
+            </a:r>
+            <a:r>
+              <a:rPr lang="ko-KR" altLang="en-US" sz="2600" b="1" dirty="0">
+                <a:solidFill>
+                  <a:srgbClr val="00B0F0"/>
+                </a:solidFill>
+              </a:rPr>
+              <a:t>장르</a:t>
+            </a:r>
+            <a:br>
+              <a:rPr lang="en-US" altLang="ko-KR" sz="2600" b="1" dirty="0">
+                <a:solidFill>
+                  <a:srgbClr val="00B0F0"/>
+                </a:solidFill>
+              </a:rPr>
+            </a:br>
+            <a:br>
+              <a:rPr lang="en-US" altLang="ko-KR" sz="2600" b="1" dirty="0">
+                <a:solidFill>
+                  <a:srgbClr val="00B0F0"/>
+                </a:solidFill>
+              </a:rPr>
+            </a:br>
+            <a:r>
+              <a:rPr lang="en-US" altLang="ko-KR" sz="2600" b="1" dirty="0">
+                <a:solidFill>
+                  <a:srgbClr val="00B0F0"/>
+                </a:solidFill>
+              </a:rPr>
+              <a:t>	2</a:t>
+            </a:r>
+            <a:r>
+              <a:rPr lang="ko-KR" altLang="en-US" sz="2600" b="1" dirty="0">
+                <a:solidFill>
+                  <a:srgbClr val="00B0F0"/>
+                </a:solidFill>
+              </a:rPr>
+              <a:t>단계 그룹화 </a:t>
+            </a:r>
+            <a:r>
+              <a:rPr lang="en-US" altLang="ko-KR" sz="2600" b="1" dirty="0">
+                <a:solidFill>
+                  <a:srgbClr val="00B0F0"/>
+                </a:solidFill>
+              </a:rPr>
+              <a:t>: </a:t>
+            </a:r>
+            <a:r>
+              <a:rPr lang="ko-KR" altLang="en-US" sz="2600" b="1" dirty="0">
+                <a:solidFill>
+                  <a:srgbClr val="00B0F0"/>
+                </a:solidFill>
+              </a:rPr>
+              <a:t>배급사</a:t>
+            </a:r>
+            <a:br>
+              <a:rPr lang="en-US" altLang="ko-KR" sz="2600" b="1" dirty="0">
+                <a:solidFill>
+                  <a:srgbClr val="00B0F0"/>
+                </a:solidFill>
+              </a:rPr>
+            </a:br>
+            <a:br>
+              <a:rPr lang="en-US" altLang="ko-KR" sz="2600" b="1" dirty="0">
+                <a:solidFill>
+                  <a:srgbClr val="00B0F0"/>
+                </a:solidFill>
+              </a:rPr>
+            </a:br>
+            <a:r>
+              <a:rPr lang="en-US" altLang="ko-KR" sz="2600" b="1" dirty="0">
+                <a:solidFill>
+                  <a:srgbClr val="00B0F0"/>
+                </a:solidFill>
+              </a:rPr>
+              <a:t>		3</a:t>
+            </a:r>
+            <a:r>
+              <a:rPr lang="ko-KR" altLang="en-US" sz="2600" b="1" dirty="0">
+                <a:solidFill>
+                  <a:srgbClr val="00B0F0"/>
+                </a:solidFill>
+              </a:rPr>
+              <a:t>단계 그룹화 </a:t>
+            </a:r>
+            <a:r>
+              <a:rPr lang="en-US" altLang="ko-KR" sz="2600" b="1" dirty="0">
+                <a:solidFill>
+                  <a:srgbClr val="00B0F0"/>
+                </a:solidFill>
+              </a:rPr>
+              <a:t>: </a:t>
+            </a:r>
+            <a:r>
+              <a:rPr lang="ko-KR" altLang="en-US" sz="2600" b="1" dirty="0">
+                <a:solidFill>
+                  <a:srgbClr val="00B0F0"/>
+                </a:solidFill>
+              </a:rPr>
+              <a:t>제작사</a:t>
+            </a:r>
+          </a:p>
+        </p:txBody>
+      </p:sp>
+      <p:sp>
+        <p:nvSpPr>
+          <p:cNvPr id="8" name="사각형: 둥근 모서리 7">
+            <a:extLst>
+              <a:ext uri="{FF2B5EF4-FFF2-40B4-BE49-F238E27FC236}">
+                <a16:creationId xmlns:a16="http://schemas.microsoft.com/office/drawing/2014/main" id="{2ECD2819-8353-F71D-7CAC-5E86AB1BB301}"/>
+              </a:ext>
+            </a:extLst>
+          </p:cNvPr>
+          <p:cNvSpPr/>
+          <p:nvPr/>
+        </p:nvSpPr>
+        <p:spPr>
+          <a:xfrm>
+            <a:off x="8254999" y="3721227"/>
+            <a:ext cx="3238501" cy="2904569"/>
+          </a:xfrm>
+          <a:prstGeom prst="roundRect">
+            <a:avLst/>
+          </a:prstGeom>
+          <a:noFill/>
+          <a:ln>
+            <a:solidFill>
+              <a:schemeClr val="tx1"/>
+            </a:solidFill>
+          </a:ln>
+        </p:spPr>
+        <p:style>
+          <a:lnRef idx="2">
+            <a:schemeClr val="accent1">
+              <a:shade val="15000"/>
+            </a:schemeClr>
+          </a:lnRef>
+          <a:fillRef idx="1">
+            <a:schemeClr val="accent1"/>
+          </a:fillRef>
+          <a:effectRef idx="0">
+            <a:schemeClr val="accent1"/>
+          </a:effectRef>
+          <a:fontRef idx="minor">
+            <a:schemeClr val="lt1"/>
+          </a:fontRef>
+        </p:style>
+        <p:txBody>
+          <a:bodyPr rtlCol="0" anchor="ctr"/>
+          <a:lstStyle/>
+          <a:p>
+            <a:pPr algn="ctr"/>
+            <a:r>
+              <a:rPr lang="ko-KR" altLang="en-US" b="1" dirty="0">
+                <a:solidFill>
+                  <a:srgbClr val="00B0F0"/>
+                </a:solidFill>
+              </a:rPr>
+              <a:t>영화 번호</a:t>
+            </a:r>
+            <a:r>
+              <a:rPr lang="en-US" altLang="ko-KR" b="1" dirty="0">
+                <a:solidFill>
+                  <a:srgbClr val="00B0F0"/>
+                </a:solidFill>
+              </a:rPr>
+              <a:t>	</a:t>
+            </a:r>
+            <a:r>
+              <a:rPr lang="ko-KR" altLang="en-US" b="1" dirty="0">
+                <a:solidFill>
+                  <a:srgbClr val="00B0F0"/>
+                </a:solidFill>
+              </a:rPr>
+              <a:t>영화이름</a:t>
+            </a:r>
+            <a:endParaRPr lang="en-US" altLang="ko-KR" b="1" dirty="0">
+              <a:solidFill>
+                <a:srgbClr val="00B0F0"/>
+              </a:solidFill>
+            </a:endParaRPr>
+          </a:p>
+          <a:p>
+            <a:pPr algn="ctr"/>
+            <a:endParaRPr lang="en-US" altLang="ko-KR" b="1" dirty="0">
+              <a:solidFill>
+                <a:srgbClr val="00B0F0"/>
+              </a:solidFill>
+            </a:endParaRPr>
+          </a:p>
+          <a:p>
+            <a:pPr algn="ctr"/>
+            <a:endParaRPr lang="en-US" altLang="ko-KR" b="1" dirty="0">
+              <a:solidFill>
+                <a:srgbClr val="00B0F0"/>
+              </a:solidFill>
+            </a:endParaRPr>
+          </a:p>
+          <a:p>
+            <a:pPr algn="ctr"/>
+            <a:r>
+              <a:rPr lang="ko-KR" altLang="en-US" b="1" dirty="0">
+                <a:solidFill>
+                  <a:srgbClr val="00B0F0"/>
+                </a:solidFill>
+              </a:rPr>
+              <a:t>개봉일</a:t>
+            </a:r>
+            <a:r>
+              <a:rPr lang="en-US" altLang="ko-KR" b="1" dirty="0">
+                <a:solidFill>
+                  <a:srgbClr val="00B0F0"/>
+                </a:solidFill>
+              </a:rPr>
+              <a:t>		</a:t>
+            </a:r>
+            <a:r>
+              <a:rPr lang="ko-KR" altLang="en-US" b="1" dirty="0">
+                <a:solidFill>
+                  <a:srgbClr val="00B0F0"/>
+                </a:solidFill>
+              </a:rPr>
+              <a:t>러닝타임</a:t>
+            </a:r>
+          </a:p>
+        </p:txBody>
+      </p:sp>
+      <p:sp>
+        <p:nvSpPr>
+          <p:cNvPr id="10" name="사각형: 둥근 모서리 9">
+            <a:extLst>
+              <a:ext uri="{FF2B5EF4-FFF2-40B4-BE49-F238E27FC236}">
+                <a16:creationId xmlns:a16="http://schemas.microsoft.com/office/drawing/2014/main" id="{EE6019E5-A303-BEB9-76A6-C53F0296FD24}"/>
+              </a:ext>
+            </a:extLst>
+          </p:cNvPr>
+          <p:cNvSpPr/>
+          <p:nvPr/>
+        </p:nvSpPr>
+        <p:spPr>
+          <a:xfrm>
+            <a:off x="6201003" y="1383054"/>
+            <a:ext cx="5419497" cy="5343461"/>
+          </a:xfrm>
+          <a:prstGeom prst="roundRect">
+            <a:avLst>
+              <a:gd name="adj" fmla="val 9061"/>
+            </a:avLst>
+          </a:prstGeom>
+          <a:noFill/>
+          <a:ln>
+            <a:solidFill>
+              <a:schemeClr val="tx1"/>
+            </a:solidFill>
+          </a:ln>
+        </p:spPr>
+        <p:style>
+          <a:lnRef idx="2">
+            <a:schemeClr val="accent1">
+              <a:shade val="15000"/>
+            </a:schemeClr>
+          </a:lnRef>
+          <a:fillRef idx="1">
+            <a:schemeClr val="accent1"/>
+          </a:fillRef>
+          <a:effectRef idx="0">
+            <a:schemeClr val="accent1"/>
+          </a:effectRef>
+          <a:fontRef idx="minor">
+            <a:schemeClr val="lt1"/>
+          </a:fontRef>
+        </p:style>
+        <p:txBody>
+          <a:bodyPr rtlCol="0" anchor="ctr"/>
+          <a:lstStyle/>
+          <a:p>
+            <a:pPr algn="ctr"/>
+            <a:endParaRPr lang="ko-KR" altLang="en-US" dirty="0">
+              <a:solidFill>
+                <a:srgbClr val="00B0F0"/>
+              </a:solidFill>
+            </a:endParaRPr>
+          </a:p>
+        </p:txBody>
+      </p:sp>
+    </p:spTree>
+    <p:extLst>
+      <p:ext uri="{BB962C8B-B14F-4D97-AF65-F5344CB8AC3E}">
+        <p14:creationId xmlns:p14="http://schemas.microsoft.com/office/powerpoint/2010/main" val="2010461594"/>
+      </p:ext>
+    </p:extLst>
+  </p:cSld>
+  <p:clrMapOvr>
+    <a:masterClrMapping/>
+  </p:clrMapOvr>
+</p:sld>
+</file>
+
+<file path=ppt/slides/slide12.xml><?xml version="1.0" encoding="utf-8"?>
+<p:sld xmlns:a="http://schemas.openxmlformats.org/drawingml/2006/main" xmlns:r="http://schemas.openxmlformats.org/officeDocument/2006/relationships" xmlns:p="http://schemas.openxmlformats.org/presentationml/2006/main">
+  <p:cSld>
+    <p:spTree>
+      <p:nvGrpSpPr>
+        <p:cNvPr id="1" name=""/>
+        <p:cNvGrpSpPr/>
+        <p:nvPr/>
+      </p:nvGrpSpPr>
+      <p:grpSpPr>
+        <a:xfrm>
+          <a:off x="0" y="0"/>
+          <a:ext cx="0" cy="0"/>
+          <a:chOff x="0" y="0"/>
+          <a:chExt cx="0" cy="0"/>
+        </a:xfrm>
+      </p:grpSpPr>
+      <p:sp>
+        <p:nvSpPr>
+          <p:cNvPr id="2" name="제목 1">
+            <a:extLst>
+              <a:ext uri="{FF2B5EF4-FFF2-40B4-BE49-F238E27FC236}">
+                <a16:creationId xmlns:a16="http://schemas.microsoft.com/office/drawing/2014/main" id="{F9A2A5FC-6D2C-AA3B-1F4F-1E4B2CF8D16D}"/>
+              </a:ext>
+            </a:extLst>
+          </p:cNvPr>
+          <p:cNvSpPr>
+            <a:spLocks noGrp="1"/>
+          </p:cNvSpPr>
+          <p:nvPr>
+            <p:ph type="title"/>
+          </p:nvPr>
+        </p:nvSpPr>
+        <p:spPr>
+          <a:xfrm>
+            <a:off x="1295400" y="685800"/>
+            <a:ext cx="9601200" cy="1485900"/>
+          </a:xfrm>
+        </p:spPr>
+        <p:txBody>
+          <a:bodyPr>
+            <a:normAutofit fontScale="90000"/>
+          </a:bodyPr>
+          <a:lstStyle/>
+          <a:p>
+            <a:r>
+              <a:rPr lang="en-US" altLang="ko-KR" dirty="0"/>
+              <a:t>4 </a:t>
+            </a:r>
+            <a:r>
+              <a:rPr lang="ko-KR" altLang="en-US" dirty="0"/>
+              <a:t>영화 보고서</a:t>
+            </a:r>
+            <a:br>
+              <a:rPr lang="en-US" altLang="ko-KR" dirty="0"/>
+            </a:br>
+            <a:r>
+              <a:rPr lang="en-US" altLang="ko-KR" dirty="0"/>
+              <a:t>	- </a:t>
+            </a:r>
+            <a:r>
+              <a:rPr lang="ko-KR" altLang="en-US" sz="4000" dirty="0"/>
+              <a:t>엑셀로 내보내기</a:t>
+            </a:r>
+            <a:br>
+              <a:rPr lang="en-US" altLang="ko-KR" dirty="0"/>
+            </a:br>
+            <a:r>
+              <a:rPr lang="en-US" altLang="ko-KR" dirty="0"/>
+              <a:t>	</a:t>
+            </a:r>
+            <a:endParaRPr lang="ko-KR" altLang="en-US" sz="3000" dirty="0"/>
+          </a:p>
+        </p:txBody>
+      </p:sp>
+      <p:pic>
+        <p:nvPicPr>
+          <p:cNvPr id="12" name="그림 11" descr="텍스트, 스크린샷, 번호, 라인이(가) 표시된 사진&#10;&#10;자동 생성된 설명">
+            <a:extLst>
+              <a:ext uri="{FF2B5EF4-FFF2-40B4-BE49-F238E27FC236}">
+                <a16:creationId xmlns:a16="http://schemas.microsoft.com/office/drawing/2014/main" id="{56754C16-FC40-0258-9A1D-AFE9CD45733A}"/>
+              </a:ext>
+            </a:extLst>
+          </p:cNvPr>
+          <p:cNvPicPr>
+            <a:picLocks noChangeAspect="1"/>
+          </p:cNvPicPr>
+          <p:nvPr/>
+        </p:nvPicPr>
+        <p:blipFill>
+          <a:blip r:embed="rId2">
+            <a:extLst>
+              <a:ext uri="{28A0092B-C50C-407E-A947-70E740481C1C}">
+                <a14:useLocalDpi xmlns:a14="http://schemas.microsoft.com/office/drawing/2010/main" val="0"/>
+              </a:ext>
+            </a:extLst>
+          </a:blip>
+          <a:stretch>
+            <a:fillRect/>
+          </a:stretch>
+        </p:blipFill>
+        <p:spPr>
+          <a:xfrm>
+            <a:off x="1897380" y="2541032"/>
+            <a:ext cx="9875520" cy="2743200"/>
+          </a:xfrm>
+          <a:prstGeom prst="rect">
+            <a:avLst/>
+          </a:prstGeom>
+        </p:spPr>
+      </p:pic>
+      <p:sp>
+        <p:nvSpPr>
+          <p:cNvPr id="13" name="TextBox 12">
+            <a:extLst>
+              <a:ext uri="{FF2B5EF4-FFF2-40B4-BE49-F238E27FC236}">
+                <a16:creationId xmlns:a16="http://schemas.microsoft.com/office/drawing/2014/main" id="{5C2E86D6-2896-F244-F398-D7933643FCD6}"/>
+              </a:ext>
+            </a:extLst>
+          </p:cNvPr>
+          <p:cNvSpPr txBox="1"/>
+          <p:nvPr/>
+        </p:nvSpPr>
+        <p:spPr>
+          <a:xfrm>
+            <a:off x="1897380" y="2171700"/>
+            <a:ext cx="1059906" cy="369332"/>
+          </a:xfrm>
+          <a:prstGeom prst="rect">
+            <a:avLst/>
+          </a:prstGeom>
+          <a:noFill/>
+        </p:spPr>
+        <p:txBody>
+          <a:bodyPr wrap="none" rtlCol="0">
+            <a:spAutoFit/>
+          </a:bodyPr>
+          <a:lstStyle/>
+          <a:p>
+            <a:r>
+              <a:rPr lang="ko-KR" altLang="en-US" b="1" dirty="0"/>
+              <a:t>영화</a:t>
+            </a:r>
+            <a:r>
+              <a:rPr lang="en-US" altLang="ko-KR" b="1" dirty="0"/>
+              <a:t>.xlsx</a:t>
+            </a:r>
+            <a:endParaRPr lang="ko-KR" altLang="en-US" b="1" dirty="0"/>
+          </a:p>
+        </p:txBody>
+      </p:sp>
+    </p:spTree>
+    <p:extLst>
+      <p:ext uri="{BB962C8B-B14F-4D97-AF65-F5344CB8AC3E}">
+        <p14:creationId xmlns:p14="http://schemas.microsoft.com/office/powerpoint/2010/main" val="5232965"/>
       </p:ext>
     </p:extLst>
   </p:cSld>
@@ -4035,8 +5159,28 @@
           <a:lstStyle/>
           <a:p>
             <a:r>
+              <a:rPr lang="ko-KR" altLang="en-US" sz="2200" b="1" dirty="0">
+                <a:solidFill>
+                  <a:srgbClr val="FF0000"/>
+                </a:solidFill>
+              </a:rPr>
+              <a:t>사용자</a:t>
+            </a:r>
+            <a:r>
               <a:rPr lang="ko-KR" altLang="en-US" sz="2200" dirty="0"/>
-              <a:t>사용자는 로그인을 통해 리뷰 사이트를 접속하고</a:t>
+              <a:t>는 </a:t>
+            </a:r>
+            <a:r>
+              <a:rPr lang="ko-KR" altLang="en-US" sz="2200" b="1" dirty="0">
+                <a:solidFill>
+                  <a:srgbClr val="0070C0"/>
+                </a:solidFill>
+              </a:rPr>
+              <a:t>로그인</a:t>
+            </a:r>
+            <a:r>
+              <a:rPr lang="ko-KR" altLang="en-US" sz="2200" dirty="0"/>
+              <a:t>을 통해 리뷰 사이트를 접속하고</a:t>
             </a:r>
             <a:r>
               <a:rPr lang="en-US" altLang="ko-KR" sz="2200" dirty="0"/>
@@ -4044,14 +5188,35 @@
             </a:r>
             <a:r>
               <a:rPr lang="ko-KR" altLang="en-US" sz="2200" dirty="0"/>
-              <a:t>자신이 시청한 영화에 대해</a:t>
-            </a:r>
-            <a:br>
-              <a:rPr lang="en-US" altLang="ko-KR" sz="2200" dirty="0"/>
-            </a:br>
+              <a:t>자신이 시청한 영화를 </a:t>
+            </a:r>
+            <a:r>
+              <a:rPr lang="ko-KR" altLang="en-US" sz="2200" b="1" dirty="0">
+                <a:solidFill>
+                  <a:srgbClr val="0070C0"/>
+                </a:solidFill>
+              </a:rPr>
+              <a:t>검색한 뒤에 리뷰를 등록</a:t>
+            </a:r>
+            <a:r>
+              <a:rPr lang="ko-KR" altLang="en-US" sz="2200" dirty="0">
+                <a:solidFill>
+                  <a:schemeClr val="tx1"/>
+                </a:solidFill>
+              </a:rPr>
+              <a:t>할</a:t>
+            </a:r>
+            <a:r>
+              <a:rPr lang="ko-KR" altLang="en-US" sz="2200" b="1" dirty="0">
+                <a:solidFill>
+                  <a:srgbClr val="0070C0"/>
+                </a:solidFill>
+              </a:rPr>
+              <a:t> </a:t>
+            </a:r>
             <a:r>
               <a:rPr lang="ko-KR" altLang="en-US" sz="2200" dirty="0"/>
-              <a:t>리뷰를 등록할 수 있다</a:t>
+              <a:t>수 있다</a:t>
             </a:r>
             <a:r>
               <a:rPr lang="en-US" altLang="ko-KR" sz="2200" dirty="0"/>
@@ -4064,8 +5229,16 @@
           </a:p>
           <a:p>
             <a:r>
+              <a:rPr lang="ko-KR" altLang="en-US" sz="2200" b="1" dirty="0">
+                <a:solidFill>
+                  <a:srgbClr val="FF0000"/>
+                </a:solidFill>
+              </a:rPr>
+              <a:t>관리자</a:t>
+            </a:r>
+            <a:r>
               <a:rPr lang="ko-KR" altLang="en-US" sz="2200" dirty="0"/>
-              <a:t>관리자는 영화와 영화제작사</a:t>
+              <a:t>는 영화와 영화제작사</a:t>
             </a:r>
             <a:r>
               <a:rPr lang="en-US" altLang="ko-KR" sz="2200" dirty="0"/>
@@ -4081,6 +5254,22 @@
             </a:r>
             <a:r>
               <a:rPr lang="ko-KR" altLang="en-US" sz="2200" dirty="0"/>
+              <a:t>배우</a:t>
+            </a:r>
+            <a:r>
+              <a:rPr lang="en-US" altLang="ko-KR" sz="2200" dirty="0"/>
+              <a:t>, </a:t>
+            </a:r>
+            <a:r>
+              <a:rPr lang="ko-KR" altLang="en-US" sz="2200" dirty="0"/>
+              <a:t>감독</a:t>
+            </a:r>
+            <a:r>
+              <a:rPr lang="en-US" altLang="ko-KR" sz="2200" dirty="0"/>
+              <a:t>, </a:t>
+            </a:r>
+            <a:r>
+              <a:rPr lang="ko-KR" altLang="en-US" sz="2200" dirty="0"/>
               <a:t>상영관 정보를 등록할 수 있고</a:t>
             </a:r>
             <a:r>
@@ -4089,22 +5278,27 @@
             </a:r>
             <a:r>
               <a:rPr lang="ko-KR" altLang="en-US" sz="2200" dirty="0"/>
-              <a:t> </a:t>
-            </a:r>
-            <a:br>
-              <a:rPr lang="en-US" altLang="ko-KR" sz="2200" dirty="0"/>
-            </a:br>
-            <a:r>
-              <a:rPr lang="ko-KR" altLang="en-US" sz="2200" dirty="0"/>
-              <a:t>사용자 정보를</a:t>
-            </a:r>
-            <a:r>
-              <a:rPr lang="en-US" altLang="ko-KR" sz="2200" dirty="0"/>
-              <a:t> </a:t>
-            </a:r>
-            <a:r>
-              <a:rPr lang="ko-KR" altLang="en-US" sz="2200" dirty="0"/>
-              <a:t>관리할 수 있다</a:t>
+              <a:t> 이것들을 조합하여 여러 관계를 형성시켜 </a:t>
+            </a:r>
+            <a:r>
+              <a:rPr lang="ko-KR" altLang="en-US" sz="2200" b="1" dirty="0">
+                <a:solidFill>
+                  <a:srgbClr val="0070C0"/>
+                </a:solidFill>
+              </a:rPr>
+              <a:t>데이터를 </a:t>
+            </a:r>
+            <a:r>
+              <a:rPr lang="ko-KR" altLang="en-US" sz="2200" b="1" dirty="0" err="1">
+                <a:solidFill>
+                  <a:srgbClr val="0070C0"/>
+                </a:solidFill>
+              </a:rPr>
+              <a:t>입력</a:t>
+            </a:r>
+            <a:r>
+              <a:rPr lang="ko-KR" altLang="en-US" sz="2200" dirty="0" err="1"/>
+              <a:t>해야한다</a:t>
             </a:r>
             <a:r>
               <a:rPr lang="en-US" altLang="ko-KR" sz="2200" dirty="0"/>
@@ -4117,19 +5311,16 @@
           </a:p>
           <a:p>
             <a:r>
+              <a:rPr lang="en-US" altLang="ko-KR" sz="2200" b="1" dirty="0">
+                <a:solidFill>
+                  <a:srgbClr val="FF0000"/>
+                </a:solidFill>
+              </a:rPr>
+              <a:t>DBMS</a:t>
+            </a:r>
+            <a:r>
               <a:rPr lang="ko-KR" altLang="en-US" sz="2200" dirty="0"/>
-              <a:t>사이트는 관리자가 등록한 영화와 관련된 정보들을 사용자에게 제공하고</a:t>
-            </a:r>
-            <a:r>
-              <a:rPr lang="en-US" altLang="ko-KR" sz="2200" dirty="0"/>
-              <a:t>, </a:t>
-            </a:r>
-            <a:br>
-              <a:rPr lang="en-US" altLang="ko-KR" sz="2200" dirty="0"/>
-            </a:br>
-            <a:r>
-              <a:rPr lang="ko-KR" altLang="en-US" sz="2200" dirty="0"/>
-              <a:t>영화별로 리뷰들을 모아 관람한 관객에 대한 통계 정보를 제공해 주어야 한다</a:t>
+              <a:t>는 관리자가 등록한 영화와 관련된 정보들을 사용자에게 제공한다</a:t>
             </a:r>
             <a:r>
               <a:rPr lang="en-US" altLang="ko-KR" sz="2200" dirty="0"/>
@@ -4184,7 +5375,12 @@
             <p:ph type="title"/>
           </p:nvPr>
         </p:nvSpPr>
-        <p:spPr/>
+        <p:spPr>
+          <a:xfrm>
+            <a:off x="1399310" y="652316"/>
+            <a:ext cx="9601200" cy="1485900"/>
+          </a:xfrm>
+        </p:spPr>
         <p:txBody>
           <a:bodyPr/>
           <a:lstStyle/>
@@ -4208,46 +5404,1851 @@
           </a:p>
         </p:txBody>
       </p:sp>
-      <p:pic>
-        <p:nvPicPr>
-          <p:cNvPr id="4" name="!!그림 2" descr="텍스트, 스크린샷, 디자인이(가) 표시된 사진&#10;&#10;자동 생성된 설명">
+      <p:sp>
+        <p:nvSpPr>
+          <p:cNvPr id="3" name="사각형: 둥근 모서리 2">
             <a:extLst>
               <a:ext uri="{FF2B5EF4-FFF2-40B4-BE49-F238E27FC236}">
-                <a16:creationId xmlns:a16="http://schemas.microsoft.com/office/drawing/2014/main" id="{7D57BC60-ADF2-B38F-9E95-D64E191F2E96}"/>
+                <a16:creationId xmlns:a16="http://schemas.microsoft.com/office/drawing/2014/main" id="{BB666F16-0275-BD3F-6064-8383F6987A0A}"/>
               </a:ext>
             </a:extLst>
           </p:cNvPr>
-          <p:cNvPicPr>
-            <a:picLocks noChangeAspect="1"/>
-          </p:cNvPicPr>
+          <p:cNvSpPr/>
           <p:nvPr/>
-        </p:nvPicPr>
-        <p:blipFill>
-          <a:blip r:embed="rId2">
-            <a:extLst>
-              <a:ext uri="{28A0092B-C50C-407E-A947-70E740481C1C}">
-                <a14:useLocalDpi xmlns:a14="http://schemas.microsoft.com/office/drawing/2010/main" val="0"/>
-              </a:ext>
-            </a:extLst>
-          </a:blip>
-          <a:stretch>
-            <a:fillRect/>
-          </a:stretch>
-        </p:blipFill>
-        <p:spPr>
-          <a:xfrm>
-            <a:off x="1371600" y="1724025"/>
-            <a:ext cx="9601200" cy="4743450"/>
+        </p:nvSpPr>
+        <p:spPr>
+          <a:xfrm>
+            <a:off x="5597236" y="2764563"/>
+            <a:ext cx="997528" cy="434109"/>
+          </a:xfrm>
+          <a:prstGeom prst="roundRect">
+            <a:avLst/>
+          </a:prstGeom>
+        </p:spPr>
+        <p:style>
+          <a:lnRef idx="2">
+            <a:schemeClr val="accent1">
+              <a:shade val="15000"/>
+            </a:schemeClr>
+          </a:lnRef>
+          <a:fillRef idx="1">
+            <a:schemeClr val="accent1"/>
+          </a:fillRef>
+          <a:effectRef idx="0">
+            <a:schemeClr val="accent1"/>
+          </a:effectRef>
+          <a:fontRef idx="minor">
+            <a:schemeClr val="lt1"/>
+          </a:fontRef>
+        </p:style>
+        <p:txBody>
+          <a:bodyPr rtlCol="0" anchor="ctr"/>
+          <a:lstStyle/>
+          <a:p>
+            <a:pPr algn="ctr"/>
+            <a:r>
+              <a:rPr lang="ko-KR" altLang="en-US" dirty="0"/>
+              <a:t>영화</a:t>
+            </a:r>
+            <a:endParaRPr lang="en-US" altLang="ko-KR" dirty="0"/>
+          </a:p>
+        </p:txBody>
+      </p:sp>
+      <p:sp>
+        <p:nvSpPr>
+          <p:cNvPr id="5" name="사각형: 둥근 모서리 4">
+            <a:extLst>
+              <a:ext uri="{FF2B5EF4-FFF2-40B4-BE49-F238E27FC236}">
+                <a16:creationId xmlns:a16="http://schemas.microsoft.com/office/drawing/2014/main" id="{46F9D457-052E-03D1-DDE4-4D1AE665AF43}"/>
+              </a:ext>
+            </a:extLst>
+          </p:cNvPr>
+          <p:cNvSpPr/>
+          <p:nvPr/>
+        </p:nvSpPr>
+        <p:spPr>
+          <a:xfrm>
+            <a:off x="2107047" y="2746091"/>
+            <a:ext cx="997528" cy="434109"/>
+          </a:xfrm>
+          <a:prstGeom prst="roundRect">
+            <a:avLst/>
+          </a:prstGeom>
+        </p:spPr>
+        <p:style>
+          <a:lnRef idx="2">
+            <a:schemeClr val="accent1">
+              <a:shade val="15000"/>
+            </a:schemeClr>
+          </a:lnRef>
+          <a:fillRef idx="1">
+            <a:schemeClr val="accent1"/>
+          </a:fillRef>
+          <a:effectRef idx="0">
+            <a:schemeClr val="accent1"/>
+          </a:effectRef>
+          <a:fontRef idx="minor">
+            <a:schemeClr val="lt1"/>
+          </a:fontRef>
+        </p:style>
+        <p:txBody>
+          <a:bodyPr rtlCol="0" anchor="ctr"/>
+          <a:lstStyle/>
+          <a:p>
+            <a:pPr algn="ctr"/>
+            <a:r>
+              <a:rPr lang="ko-KR" altLang="en-US" dirty="0"/>
+              <a:t>유저</a:t>
+            </a:r>
+            <a:endParaRPr lang="en-US" altLang="ko-KR" dirty="0"/>
+          </a:p>
+        </p:txBody>
+      </p:sp>
+      <p:sp>
+        <p:nvSpPr>
+          <p:cNvPr id="6" name="사각형: 둥근 모서리 5">
+            <a:extLst>
+              <a:ext uri="{FF2B5EF4-FFF2-40B4-BE49-F238E27FC236}">
+                <a16:creationId xmlns:a16="http://schemas.microsoft.com/office/drawing/2014/main" id="{3829F473-6B9D-185F-EC16-5D56A36715E0}"/>
+              </a:ext>
+            </a:extLst>
+          </p:cNvPr>
+          <p:cNvSpPr/>
+          <p:nvPr/>
+        </p:nvSpPr>
+        <p:spPr>
+          <a:xfrm>
+            <a:off x="9087425" y="2783034"/>
+            <a:ext cx="997528" cy="434109"/>
+          </a:xfrm>
+          <a:prstGeom prst="roundRect">
+            <a:avLst/>
+          </a:prstGeom>
+        </p:spPr>
+        <p:style>
+          <a:lnRef idx="2">
+            <a:schemeClr val="accent1">
+              <a:shade val="15000"/>
+            </a:schemeClr>
+          </a:lnRef>
+          <a:fillRef idx="1">
+            <a:schemeClr val="accent1"/>
+          </a:fillRef>
+          <a:effectRef idx="0">
+            <a:schemeClr val="accent1"/>
+          </a:effectRef>
+          <a:fontRef idx="minor">
+            <a:schemeClr val="lt1"/>
+          </a:fontRef>
+        </p:style>
+        <p:txBody>
+          <a:bodyPr rtlCol="0" anchor="ctr"/>
+          <a:lstStyle/>
+          <a:p>
+            <a:pPr algn="ctr"/>
+            <a:r>
+              <a:rPr lang="ko-KR" altLang="en-US" dirty="0"/>
+              <a:t>극장</a:t>
+            </a:r>
+            <a:endParaRPr lang="en-US" altLang="ko-KR" dirty="0"/>
+          </a:p>
+        </p:txBody>
+      </p:sp>
+      <p:sp>
+        <p:nvSpPr>
+          <p:cNvPr id="8" name="다이아몬드 7">
+            <a:extLst>
+              <a:ext uri="{FF2B5EF4-FFF2-40B4-BE49-F238E27FC236}">
+                <a16:creationId xmlns:a16="http://schemas.microsoft.com/office/drawing/2014/main" id="{94146016-4A4F-3202-235A-D7FE400C4F8A}"/>
+              </a:ext>
+            </a:extLst>
+          </p:cNvPr>
+          <p:cNvSpPr/>
+          <p:nvPr/>
+        </p:nvSpPr>
+        <p:spPr>
+          <a:xfrm>
+            <a:off x="3704359" y="2773798"/>
+            <a:ext cx="1293092" cy="415637"/>
+          </a:xfrm>
+          <a:prstGeom prst="diamond">
+            <a:avLst/>
+          </a:prstGeom>
+        </p:spPr>
+        <p:style>
+          <a:lnRef idx="2">
+            <a:schemeClr val="accent1">
+              <a:shade val="15000"/>
+            </a:schemeClr>
+          </a:lnRef>
+          <a:fillRef idx="1">
+            <a:schemeClr val="accent1"/>
+          </a:fillRef>
+          <a:effectRef idx="0">
+            <a:schemeClr val="accent1"/>
+          </a:effectRef>
+          <a:fontRef idx="minor">
+            <a:schemeClr val="lt1"/>
+          </a:fontRef>
+        </p:style>
+        <p:txBody>
+          <a:bodyPr rtlCol="0" anchor="ctr"/>
+          <a:lstStyle/>
+          <a:p>
+            <a:pPr algn="ctr"/>
+            <a:r>
+              <a:rPr lang="ko-KR" altLang="en-US" dirty="0"/>
+              <a:t>리뷰</a:t>
+            </a:r>
+          </a:p>
+        </p:txBody>
+      </p:sp>
+      <p:sp>
+        <p:nvSpPr>
+          <p:cNvPr id="9" name="다이아몬드 8">
+            <a:extLst>
+              <a:ext uri="{FF2B5EF4-FFF2-40B4-BE49-F238E27FC236}">
+                <a16:creationId xmlns:a16="http://schemas.microsoft.com/office/drawing/2014/main" id="{1C5EBCCC-CAB3-75A3-D65A-403730CFE1AD}"/>
+              </a:ext>
+            </a:extLst>
+          </p:cNvPr>
+          <p:cNvSpPr/>
+          <p:nvPr/>
+        </p:nvSpPr>
+        <p:spPr>
+          <a:xfrm>
+            <a:off x="7194548" y="2783035"/>
+            <a:ext cx="1293092" cy="415637"/>
+          </a:xfrm>
+          <a:prstGeom prst="diamond">
+            <a:avLst/>
+          </a:prstGeom>
+        </p:spPr>
+        <p:style>
+          <a:lnRef idx="2">
+            <a:schemeClr val="accent1">
+              <a:shade val="15000"/>
+            </a:schemeClr>
+          </a:lnRef>
+          <a:fillRef idx="1">
+            <a:schemeClr val="accent1"/>
+          </a:fillRef>
+          <a:effectRef idx="0">
+            <a:schemeClr val="accent1"/>
+          </a:effectRef>
+          <a:fontRef idx="minor">
+            <a:schemeClr val="lt1"/>
+          </a:fontRef>
+        </p:style>
+        <p:txBody>
+          <a:bodyPr rtlCol="0" anchor="ctr"/>
+          <a:lstStyle/>
+          <a:p>
+            <a:pPr algn="ctr"/>
+            <a:r>
+              <a:rPr lang="ko-KR" altLang="en-US" sz="1400" dirty="0"/>
+              <a:t>상영극장</a:t>
+            </a:r>
+          </a:p>
+        </p:txBody>
+      </p:sp>
+      <p:cxnSp>
+        <p:nvCxnSpPr>
+          <p:cNvPr id="11" name="직선 연결선 10">
+            <a:extLst>
+              <a:ext uri="{FF2B5EF4-FFF2-40B4-BE49-F238E27FC236}">
+                <a16:creationId xmlns:a16="http://schemas.microsoft.com/office/drawing/2014/main" id="{5655C01A-ED96-C177-6268-AC55677D226F}"/>
+              </a:ext>
+            </a:extLst>
+          </p:cNvPr>
+          <p:cNvCxnSpPr>
+            <a:stCxn id="5" idx="3"/>
+            <a:endCxn id="8" idx="1"/>
+          </p:cNvCxnSpPr>
+          <p:nvPr/>
+        </p:nvCxnSpPr>
+        <p:spPr>
+          <a:xfrm>
+            <a:off x="3104575" y="2963146"/>
+            <a:ext cx="599784" cy="18471"/>
+          </a:xfrm>
+          <a:prstGeom prst="line">
+            <a:avLst/>
+          </a:prstGeom>
+        </p:spPr>
+        <p:style>
+          <a:lnRef idx="1">
+            <a:schemeClr val="dk1"/>
+          </a:lnRef>
+          <a:fillRef idx="0">
+            <a:schemeClr val="dk1"/>
+          </a:fillRef>
+          <a:effectRef idx="0">
+            <a:schemeClr val="dk1"/>
+          </a:effectRef>
+          <a:fontRef idx="minor">
+            <a:schemeClr val="tx1"/>
+          </a:fontRef>
+        </p:style>
+      </p:cxnSp>
+      <p:cxnSp>
+        <p:nvCxnSpPr>
+          <p:cNvPr id="13" name="직선 연결선 12">
+            <a:extLst>
+              <a:ext uri="{FF2B5EF4-FFF2-40B4-BE49-F238E27FC236}">
+                <a16:creationId xmlns:a16="http://schemas.microsoft.com/office/drawing/2014/main" id="{95CA3668-8285-D05C-A3EB-76D274955073}"/>
+              </a:ext>
+            </a:extLst>
+          </p:cNvPr>
+          <p:cNvCxnSpPr>
+            <a:stCxn id="8" idx="3"/>
+            <a:endCxn id="3" idx="1"/>
+          </p:cNvCxnSpPr>
+          <p:nvPr/>
+        </p:nvCxnSpPr>
+        <p:spPr>
+          <a:xfrm>
+            <a:off x="4997451" y="2981617"/>
+            <a:ext cx="599785" cy="1"/>
+          </a:xfrm>
+          <a:prstGeom prst="line">
+            <a:avLst/>
+          </a:prstGeom>
+        </p:spPr>
+        <p:style>
+          <a:lnRef idx="1">
+            <a:schemeClr val="dk1"/>
+          </a:lnRef>
+          <a:fillRef idx="0">
+            <a:schemeClr val="dk1"/>
+          </a:fillRef>
+          <a:effectRef idx="0">
+            <a:schemeClr val="dk1"/>
+          </a:effectRef>
+          <a:fontRef idx="minor">
+            <a:schemeClr val="tx1"/>
+          </a:fontRef>
+        </p:style>
+      </p:cxnSp>
+      <p:cxnSp>
+        <p:nvCxnSpPr>
+          <p:cNvPr id="15" name="직선 연결선 14">
+            <a:extLst>
+              <a:ext uri="{FF2B5EF4-FFF2-40B4-BE49-F238E27FC236}">
+                <a16:creationId xmlns:a16="http://schemas.microsoft.com/office/drawing/2014/main" id="{274CFEE9-5C8F-FFC8-4DFA-C2AEA1CD9AF1}"/>
+              </a:ext>
+            </a:extLst>
+          </p:cNvPr>
+          <p:cNvCxnSpPr>
+            <a:stCxn id="3" idx="3"/>
+            <a:endCxn id="9" idx="1"/>
+          </p:cNvCxnSpPr>
+          <p:nvPr/>
+        </p:nvCxnSpPr>
+        <p:spPr>
+          <a:xfrm>
+            <a:off x="6594764" y="2981618"/>
+            <a:ext cx="599784" cy="9236"/>
+          </a:xfrm>
+          <a:prstGeom prst="line">
+            <a:avLst/>
+          </a:prstGeom>
+        </p:spPr>
+        <p:style>
+          <a:lnRef idx="1">
+            <a:schemeClr val="dk1"/>
+          </a:lnRef>
+          <a:fillRef idx="0">
+            <a:schemeClr val="dk1"/>
+          </a:fillRef>
+          <a:effectRef idx="0">
+            <a:schemeClr val="dk1"/>
+          </a:effectRef>
+          <a:fontRef idx="minor">
+            <a:schemeClr val="tx1"/>
+          </a:fontRef>
+        </p:style>
+      </p:cxnSp>
+      <p:cxnSp>
+        <p:nvCxnSpPr>
+          <p:cNvPr id="17" name="직선 연결선 16">
+            <a:extLst>
+              <a:ext uri="{FF2B5EF4-FFF2-40B4-BE49-F238E27FC236}">
+                <a16:creationId xmlns:a16="http://schemas.microsoft.com/office/drawing/2014/main" id="{EF908924-3ED9-F6FC-73AB-E360D9096B61}"/>
+              </a:ext>
+            </a:extLst>
+          </p:cNvPr>
+          <p:cNvCxnSpPr>
+            <a:stCxn id="9" idx="3"/>
+            <a:endCxn id="6" idx="1"/>
+          </p:cNvCxnSpPr>
+          <p:nvPr/>
+        </p:nvCxnSpPr>
+        <p:spPr>
+          <a:xfrm>
+            <a:off x="8487640" y="2990854"/>
+            <a:ext cx="599785" cy="9235"/>
+          </a:xfrm>
+          <a:prstGeom prst="line">
+            <a:avLst/>
+          </a:prstGeom>
+        </p:spPr>
+        <p:style>
+          <a:lnRef idx="1">
+            <a:schemeClr val="dk1"/>
+          </a:lnRef>
+          <a:fillRef idx="0">
+            <a:schemeClr val="dk1"/>
+          </a:fillRef>
+          <a:effectRef idx="0">
+            <a:schemeClr val="dk1"/>
+          </a:effectRef>
+          <a:fontRef idx="minor">
+            <a:schemeClr val="tx1"/>
+          </a:fontRef>
+        </p:style>
+      </p:cxnSp>
+      <p:sp>
+        <p:nvSpPr>
+          <p:cNvPr id="18" name="사각형: 둥근 모서리 17">
+            <a:extLst>
+              <a:ext uri="{FF2B5EF4-FFF2-40B4-BE49-F238E27FC236}">
+                <a16:creationId xmlns:a16="http://schemas.microsoft.com/office/drawing/2014/main" id="{A9220A5B-2537-8CE7-0185-E223E8297D92}"/>
+              </a:ext>
+            </a:extLst>
+          </p:cNvPr>
+          <p:cNvSpPr/>
+          <p:nvPr/>
+        </p:nvSpPr>
+        <p:spPr>
+          <a:xfrm>
+            <a:off x="3375020" y="5232413"/>
+            <a:ext cx="997528" cy="434109"/>
+          </a:xfrm>
+          <a:prstGeom prst="roundRect">
+            <a:avLst/>
+          </a:prstGeom>
+        </p:spPr>
+        <p:style>
+          <a:lnRef idx="2">
+            <a:schemeClr val="accent1">
+              <a:shade val="15000"/>
+            </a:schemeClr>
+          </a:lnRef>
+          <a:fillRef idx="1">
+            <a:schemeClr val="accent1"/>
+          </a:fillRef>
+          <a:effectRef idx="0">
+            <a:schemeClr val="accent1"/>
+          </a:effectRef>
+          <a:fontRef idx="minor">
+            <a:schemeClr val="lt1"/>
+          </a:fontRef>
+        </p:style>
+        <p:txBody>
+          <a:bodyPr rtlCol="0" anchor="ctr"/>
+          <a:lstStyle/>
+          <a:p>
+            <a:pPr algn="ctr"/>
+            <a:r>
+              <a:rPr lang="ko-KR" altLang="en-US" dirty="0"/>
+              <a:t>감독</a:t>
+            </a:r>
+            <a:endParaRPr lang="en-US" altLang="ko-KR" dirty="0"/>
+          </a:p>
+        </p:txBody>
+      </p:sp>
+      <p:sp>
+        <p:nvSpPr>
+          <p:cNvPr id="19" name="사각형: 둥근 모서리 18">
+            <a:extLst>
+              <a:ext uri="{FF2B5EF4-FFF2-40B4-BE49-F238E27FC236}">
+                <a16:creationId xmlns:a16="http://schemas.microsoft.com/office/drawing/2014/main" id="{8F5C1AA5-56A4-F322-618E-67EEA3229EFF}"/>
+              </a:ext>
+            </a:extLst>
+          </p:cNvPr>
+          <p:cNvSpPr/>
+          <p:nvPr/>
+        </p:nvSpPr>
+        <p:spPr>
+          <a:xfrm>
+            <a:off x="5171495" y="5227790"/>
+            <a:ext cx="997528" cy="434109"/>
+          </a:xfrm>
+          <a:prstGeom prst="roundRect">
+            <a:avLst/>
+          </a:prstGeom>
+        </p:spPr>
+        <p:style>
+          <a:lnRef idx="2">
+            <a:schemeClr val="accent1">
+              <a:shade val="15000"/>
+            </a:schemeClr>
+          </a:lnRef>
+          <a:fillRef idx="1">
+            <a:schemeClr val="accent1"/>
+          </a:fillRef>
+          <a:effectRef idx="0">
+            <a:schemeClr val="accent1"/>
+          </a:effectRef>
+          <a:fontRef idx="minor">
+            <a:schemeClr val="lt1"/>
+          </a:fontRef>
+        </p:style>
+        <p:txBody>
+          <a:bodyPr rtlCol="0" anchor="ctr"/>
+          <a:lstStyle/>
+          <a:p>
+            <a:pPr algn="ctr"/>
+            <a:r>
+              <a:rPr lang="ko-KR" altLang="en-US" dirty="0"/>
+              <a:t>배우</a:t>
+            </a:r>
+            <a:endParaRPr lang="en-US" altLang="ko-KR" dirty="0"/>
+          </a:p>
+        </p:txBody>
+      </p:sp>
+      <p:sp>
+        <p:nvSpPr>
+          <p:cNvPr id="22" name="다이아몬드 21">
+            <a:extLst>
+              <a:ext uri="{FF2B5EF4-FFF2-40B4-BE49-F238E27FC236}">
+                <a16:creationId xmlns:a16="http://schemas.microsoft.com/office/drawing/2014/main" id="{01BCF283-3C24-C467-AE38-A9CD42C8C53F}"/>
+              </a:ext>
+            </a:extLst>
+          </p:cNvPr>
+          <p:cNvSpPr/>
+          <p:nvPr/>
+        </p:nvSpPr>
+        <p:spPr>
+          <a:xfrm>
+            <a:off x="5023713" y="4010031"/>
+            <a:ext cx="1293092" cy="415637"/>
+          </a:xfrm>
+          <a:prstGeom prst="diamond">
+            <a:avLst/>
+          </a:prstGeom>
+        </p:spPr>
+        <p:style>
+          <a:lnRef idx="2">
+            <a:schemeClr val="accent1">
+              <a:shade val="15000"/>
+            </a:schemeClr>
+          </a:lnRef>
+          <a:fillRef idx="1">
+            <a:schemeClr val="accent1"/>
+          </a:fillRef>
+          <a:effectRef idx="0">
+            <a:schemeClr val="accent1"/>
+          </a:effectRef>
+          <a:fontRef idx="minor">
+            <a:schemeClr val="lt1"/>
+          </a:fontRef>
+        </p:style>
+        <p:txBody>
+          <a:bodyPr rtlCol="0" anchor="ctr"/>
+          <a:lstStyle/>
+          <a:p>
+            <a:pPr algn="ctr"/>
+            <a:r>
+              <a:rPr lang="ko-KR" altLang="en-US" sz="1400" dirty="0"/>
+              <a:t>영화배우</a:t>
+            </a:r>
+          </a:p>
+        </p:txBody>
+      </p:sp>
+      <p:sp>
+        <p:nvSpPr>
+          <p:cNvPr id="23" name="다이아몬드 22">
+            <a:extLst>
+              <a:ext uri="{FF2B5EF4-FFF2-40B4-BE49-F238E27FC236}">
+                <a16:creationId xmlns:a16="http://schemas.microsoft.com/office/drawing/2014/main" id="{AD44DE0A-55A1-D0E2-1A4E-B93B43CB7A8F}"/>
+              </a:ext>
+            </a:extLst>
+          </p:cNvPr>
+          <p:cNvSpPr/>
+          <p:nvPr/>
+        </p:nvSpPr>
+        <p:spPr>
+          <a:xfrm>
+            <a:off x="3227238" y="4010031"/>
+            <a:ext cx="1293092" cy="415637"/>
+          </a:xfrm>
+          <a:prstGeom prst="diamond">
+            <a:avLst/>
+          </a:prstGeom>
+        </p:spPr>
+        <p:style>
+          <a:lnRef idx="2">
+            <a:schemeClr val="accent1">
+              <a:shade val="15000"/>
+            </a:schemeClr>
+          </a:lnRef>
+          <a:fillRef idx="1">
+            <a:schemeClr val="accent1"/>
+          </a:fillRef>
+          <a:effectRef idx="0">
+            <a:schemeClr val="accent1"/>
+          </a:effectRef>
+          <a:fontRef idx="minor">
+            <a:schemeClr val="lt1"/>
+          </a:fontRef>
+        </p:style>
+        <p:txBody>
+          <a:bodyPr rtlCol="0" anchor="ctr"/>
+          <a:lstStyle/>
+          <a:p>
+            <a:pPr algn="ctr"/>
+            <a:r>
+              <a:rPr lang="ko-KR" altLang="en-US" sz="1400" dirty="0"/>
+              <a:t>영화감독</a:t>
+            </a:r>
+          </a:p>
+        </p:txBody>
+      </p:sp>
+      <p:cxnSp>
+        <p:nvCxnSpPr>
+          <p:cNvPr id="25" name="직선 연결선 24">
+            <a:extLst>
+              <a:ext uri="{FF2B5EF4-FFF2-40B4-BE49-F238E27FC236}">
+                <a16:creationId xmlns:a16="http://schemas.microsoft.com/office/drawing/2014/main" id="{7FC7A9F0-3719-BCA7-3B6D-CEB0F228C37F}"/>
+              </a:ext>
+            </a:extLst>
+          </p:cNvPr>
+          <p:cNvCxnSpPr>
+            <a:stCxn id="3" idx="2"/>
+            <a:endCxn id="23" idx="0"/>
+          </p:cNvCxnSpPr>
+          <p:nvPr/>
+        </p:nvCxnSpPr>
+        <p:spPr>
+          <a:xfrm flipH="1">
+            <a:off x="3873784" y="3198672"/>
+            <a:ext cx="2222216" cy="811359"/>
+          </a:xfrm>
+          <a:prstGeom prst="line">
+            <a:avLst/>
+          </a:prstGeom>
+        </p:spPr>
+        <p:style>
+          <a:lnRef idx="1">
+            <a:schemeClr val="dk1"/>
+          </a:lnRef>
+          <a:fillRef idx="0">
+            <a:schemeClr val="dk1"/>
+          </a:fillRef>
+          <a:effectRef idx="0">
+            <a:schemeClr val="dk1"/>
+          </a:effectRef>
+          <a:fontRef idx="minor">
+            <a:schemeClr val="tx1"/>
+          </a:fontRef>
+        </p:style>
+      </p:cxnSp>
+      <p:cxnSp>
+        <p:nvCxnSpPr>
+          <p:cNvPr id="27" name="직선 연결선 26">
+            <a:extLst>
+              <a:ext uri="{FF2B5EF4-FFF2-40B4-BE49-F238E27FC236}">
+                <a16:creationId xmlns:a16="http://schemas.microsoft.com/office/drawing/2014/main" id="{CF4CBFB3-CA5C-3A7D-DB0D-B73A7C673D49}"/>
+              </a:ext>
+            </a:extLst>
+          </p:cNvPr>
+          <p:cNvCxnSpPr>
+            <a:stCxn id="3" idx="2"/>
+            <a:endCxn id="22" idx="0"/>
+          </p:cNvCxnSpPr>
+          <p:nvPr/>
+        </p:nvCxnSpPr>
+        <p:spPr>
+          <a:xfrm flipH="1">
+            <a:off x="5670259" y="3198672"/>
+            <a:ext cx="425741" cy="811359"/>
+          </a:xfrm>
+          <a:prstGeom prst="line">
+            <a:avLst/>
+          </a:prstGeom>
+        </p:spPr>
+        <p:style>
+          <a:lnRef idx="1">
+            <a:schemeClr val="dk1"/>
+          </a:lnRef>
+          <a:fillRef idx="0">
+            <a:schemeClr val="dk1"/>
+          </a:fillRef>
+          <a:effectRef idx="0">
+            <a:schemeClr val="dk1"/>
+          </a:effectRef>
+          <a:fontRef idx="minor">
+            <a:schemeClr val="tx1"/>
+          </a:fontRef>
+        </p:style>
+      </p:cxnSp>
+      <p:cxnSp>
+        <p:nvCxnSpPr>
+          <p:cNvPr id="29" name="직선 연결선 28">
+            <a:extLst>
+              <a:ext uri="{FF2B5EF4-FFF2-40B4-BE49-F238E27FC236}">
+                <a16:creationId xmlns:a16="http://schemas.microsoft.com/office/drawing/2014/main" id="{D57D1497-57B4-BCDA-3156-CFC445A0CD02}"/>
+              </a:ext>
+            </a:extLst>
+          </p:cNvPr>
+          <p:cNvCxnSpPr>
+            <a:stCxn id="23" idx="2"/>
+            <a:endCxn id="18" idx="0"/>
+          </p:cNvCxnSpPr>
+          <p:nvPr/>
+        </p:nvCxnSpPr>
+        <p:spPr>
+          <a:xfrm>
+            <a:off x="3873784" y="4425668"/>
+            <a:ext cx="0" cy="806745"/>
+          </a:xfrm>
+          <a:prstGeom prst="line">
+            <a:avLst/>
+          </a:prstGeom>
+        </p:spPr>
+        <p:style>
+          <a:lnRef idx="1">
+            <a:schemeClr val="dk1"/>
+          </a:lnRef>
+          <a:fillRef idx="0">
+            <a:schemeClr val="dk1"/>
+          </a:fillRef>
+          <a:effectRef idx="0">
+            <a:schemeClr val="dk1"/>
+          </a:effectRef>
+          <a:fontRef idx="minor">
+            <a:schemeClr val="tx1"/>
+          </a:fontRef>
+        </p:style>
+      </p:cxnSp>
+      <p:cxnSp>
+        <p:nvCxnSpPr>
+          <p:cNvPr id="31" name="직선 연결선 30">
+            <a:extLst>
+              <a:ext uri="{FF2B5EF4-FFF2-40B4-BE49-F238E27FC236}">
+                <a16:creationId xmlns:a16="http://schemas.microsoft.com/office/drawing/2014/main" id="{BC1626A6-DBB4-28BA-F98A-F61FD545E8A9}"/>
+              </a:ext>
+            </a:extLst>
+          </p:cNvPr>
+          <p:cNvCxnSpPr>
+            <a:stCxn id="22" idx="2"/>
+            <a:endCxn id="19" idx="0"/>
+          </p:cNvCxnSpPr>
+          <p:nvPr/>
+        </p:nvCxnSpPr>
+        <p:spPr>
+          <a:xfrm>
+            <a:off x="5670259" y="4425668"/>
+            <a:ext cx="0" cy="802122"/>
+          </a:xfrm>
+          <a:prstGeom prst="line">
+            <a:avLst/>
+          </a:prstGeom>
+        </p:spPr>
+        <p:style>
+          <a:lnRef idx="1">
+            <a:schemeClr val="dk1"/>
+          </a:lnRef>
+          <a:fillRef idx="0">
+            <a:schemeClr val="dk1"/>
+          </a:fillRef>
+          <a:effectRef idx="0">
+            <a:schemeClr val="dk1"/>
+          </a:effectRef>
+          <a:fontRef idx="minor">
+            <a:schemeClr val="tx1"/>
+          </a:fontRef>
+        </p:style>
+      </p:cxnSp>
+      <p:sp>
+        <p:nvSpPr>
+          <p:cNvPr id="46" name="TextBox 45">
+            <a:extLst>
+              <a:ext uri="{FF2B5EF4-FFF2-40B4-BE49-F238E27FC236}">
+                <a16:creationId xmlns:a16="http://schemas.microsoft.com/office/drawing/2014/main" id="{5E8C9229-CDE8-52B1-AFFE-50461F5DDF3E}"/>
+              </a:ext>
+            </a:extLst>
+          </p:cNvPr>
+          <p:cNvSpPr txBox="1"/>
+          <p:nvPr/>
+        </p:nvSpPr>
+        <p:spPr>
+          <a:xfrm>
+            <a:off x="3461471" y="2621521"/>
+            <a:ext cx="387928" cy="369332"/>
           </a:xfrm>
           <a:prstGeom prst="rect">
             <a:avLst/>
           </a:prstGeom>
-        </p:spPr>
-      </p:pic>
+          <a:noFill/>
+        </p:spPr>
+        <p:txBody>
+          <a:bodyPr wrap="square" rtlCol="0">
+            <a:spAutoFit/>
+          </a:bodyPr>
+          <a:lstStyle/>
+          <a:p>
+            <a:r>
+              <a:rPr lang="en-US" altLang="ko-KR" b="1" dirty="0"/>
+              <a:t>n</a:t>
+            </a:r>
+            <a:endParaRPr lang="ko-KR" altLang="en-US" b="1" dirty="0"/>
+          </a:p>
+        </p:txBody>
+      </p:sp>
+      <p:sp>
+        <p:nvSpPr>
+          <p:cNvPr id="47" name="TextBox 46">
+            <a:extLst>
+              <a:ext uri="{FF2B5EF4-FFF2-40B4-BE49-F238E27FC236}">
+                <a16:creationId xmlns:a16="http://schemas.microsoft.com/office/drawing/2014/main" id="{76CA2FD7-746E-B857-D16A-863ECFE88F52}"/>
+              </a:ext>
+            </a:extLst>
+          </p:cNvPr>
+          <p:cNvSpPr txBox="1"/>
+          <p:nvPr/>
+        </p:nvSpPr>
+        <p:spPr>
+          <a:xfrm>
+            <a:off x="8493986" y="2615176"/>
+            <a:ext cx="387928" cy="369332"/>
+          </a:xfrm>
+          <a:prstGeom prst="rect">
+            <a:avLst/>
+          </a:prstGeom>
+          <a:noFill/>
+        </p:spPr>
+        <p:txBody>
+          <a:bodyPr wrap="square" rtlCol="0">
+            <a:spAutoFit/>
+          </a:bodyPr>
+          <a:lstStyle/>
+          <a:p>
+            <a:r>
+              <a:rPr lang="en-US" altLang="ko-KR" b="1" dirty="0"/>
+              <a:t>n</a:t>
+            </a:r>
+            <a:endParaRPr lang="ko-KR" altLang="en-US" b="1" dirty="0"/>
+          </a:p>
+        </p:txBody>
+      </p:sp>
+      <p:sp>
+        <p:nvSpPr>
+          <p:cNvPr id="48" name="TextBox 47">
+            <a:extLst>
+              <a:ext uri="{FF2B5EF4-FFF2-40B4-BE49-F238E27FC236}">
+                <a16:creationId xmlns:a16="http://schemas.microsoft.com/office/drawing/2014/main" id="{B996D4EB-7F4E-502D-81C6-961F4EFAB9EA}"/>
+              </a:ext>
+            </a:extLst>
+          </p:cNvPr>
+          <p:cNvSpPr txBox="1"/>
+          <p:nvPr/>
+        </p:nvSpPr>
+        <p:spPr>
+          <a:xfrm>
+            <a:off x="4919229" y="2642884"/>
+            <a:ext cx="387928" cy="369332"/>
+          </a:xfrm>
+          <a:prstGeom prst="rect">
+            <a:avLst/>
+          </a:prstGeom>
+          <a:noFill/>
+        </p:spPr>
+        <p:txBody>
+          <a:bodyPr wrap="square" rtlCol="0">
+            <a:spAutoFit/>
+          </a:bodyPr>
+          <a:lstStyle/>
+          <a:p>
+            <a:r>
+              <a:rPr lang="en-US" altLang="ko-KR" b="1" dirty="0"/>
+              <a:t>n</a:t>
+            </a:r>
+            <a:endParaRPr lang="ko-KR" altLang="en-US" b="1" dirty="0"/>
+          </a:p>
+        </p:txBody>
+      </p:sp>
+      <p:sp>
+        <p:nvSpPr>
+          <p:cNvPr id="49" name="TextBox 48">
+            <a:extLst>
+              <a:ext uri="{FF2B5EF4-FFF2-40B4-BE49-F238E27FC236}">
+                <a16:creationId xmlns:a16="http://schemas.microsoft.com/office/drawing/2014/main" id="{EA5094E1-E2B1-2440-DEA7-E6A924323F43}"/>
+              </a:ext>
+            </a:extLst>
+          </p:cNvPr>
+          <p:cNvSpPr txBox="1"/>
+          <p:nvPr/>
+        </p:nvSpPr>
+        <p:spPr>
+          <a:xfrm>
+            <a:off x="5780050" y="3680188"/>
+            <a:ext cx="387928" cy="369332"/>
+          </a:xfrm>
+          <a:prstGeom prst="rect">
+            <a:avLst/>
+          </a:prstGeom>
+          <a:noFill/>
+        </p:spPr>
+        <p:txBody>
+          <a:bodyPr wrap="square" rtlCol="0">
+            <a:spAutoFit/>
+          </a:bodyPr>
+          <a:lstStyle/>
+          <a:p>
+            <a:r>
+              <a:rPr lang="en-US" altLang="ko-KR" b="1" dirty="0"/>
+              <a:t>n</a:t>
+            </a:r>
+            <a:endParaRPr lang="ko-KR" altLang="en-US" b="1" dirty="0"/>
+          </a:p>
+        </p:txBody>
+      </p:sp>
+      <p:sp>
+        <p:nvSpPr>
+          <p:cNvPr id="50" name="TextBox 49">
+            <a:extLst>
+              <a:ext uri="{FF2B5EF4-FFF2-40B4-BE49-F238E27FC236}">
+                <a16:creationId xmlns:a16="http://schemas.microsoft.com/office/drawing/2014/main" id="{1DDD256A-992C-D084-5029-E8842ADBFB5D}"/>
+              </a:ext>
+            </a:extLst>
+          </p:cNvPr>
+          <p:cNvSpPr txBox="1"/>
+          <p:nvPr/>
+        </p:nvSpPr>
+        <p:spPr>
+          <a:xfrm>
+            <a:off x="6956137" y="2645775"/>
+            <a:ext cx="387928" cy="369332"/>
+          </a:xfrm>
+          <a:prstGeom prst="rect">
+            <a:avLst/>
+          </a:prstGeom>
+          <a:noFill/>
+        </p:spPr>
+        <p:txBody>
+          <a:bodyPr wrap="square" rtlCol="0">
+            <a:spAutoFit/>
+          </a:bodyPr>
+          <a:lstStyle/>
+          <a:p>
+            <a:r>
+              <a:rPr lang="en-US" altLang="ko-KR" b="1" dirty="0"/>
+              <a:t>n</a:t>
+            </a:r>
+            <a:endParaRPr lang="ko-KR" altLang="en-US" b="1" dirty="0"/>
+          </a:p>
+        </p:txBody>
+      </p:sp>
+      <p:sp>
+        <p:nvSpPr>
+          <p:cNvPr id="52" name="TextBox 51">
+            <a:extLst>
+              <a:ext uri="{FF2B5EF4-FFF2-40B4-BE49-F238E27FC236}">
+                <a16:creationId xmlns:a16="http://schemas.microsoft.com/office/drawing/2014/main" id="{FD6FD07B-A742-F219-C626-F295253E81DB}"/>
+              </a:ext>
+            </a:extLst>
+          </p:cNvPr>
+          <p:cNvSpPr txBox="1"/>
+          <p:nvPr/>
+        </p:nvSpPr>
+        <p:spPr>
+          <a:xfrm>
+            <a:off x="3543584" y="4405085"/>
+            <a:ext cx="387928" cy="369332"/>
+          </a:xfrm>
+          <a:prstGeom prst="rect">
+            <a:avLst/>
+          </a:prstGeom>
+          <a:noFill/>
+        </p:spPr>
+        <p:txBody>
+          <a:bodyPr wrap="square" rtlCol="0">
+            <a:spAutoFit/>
+          </a:bodyPr>
+          <a:lstStyle/>
+          <a:p>
+            <a:r>
+              <a:rPr lang="en-US" altLang="ko-KR" b="1" dirty="0"/>
+              <a:t>n</a:t>
+            </a:r>
+            <a:endParaRPr lang="ko-KR" altLang="en-US" b="1" dirty="0"/>
+          </a:p>
+        </p:txBody>
+      </p:sp>
+      <p:sp>
+        <p:nvSpPr>
+          <p:cNvPr id="53" name="TextBox 52">
+            <a:extLst>
+              <a:ext uri="{FF2B5EF4-FFF2-40B4-BE49-F238E27FC236}">
+                <a16:creationId xmlns:a16="http://schemas.microsoft.com/office/drawing/2014/main" id="{D1CC193A-3D69-EE81-3EC8-564CC6C6A8C3}"/>
+              </a:ext>
+            </a:extLst>
+          </p:cNvPr>
+          <p:cNvSpPr txBox="1"/>
+          <p:nvPr/>
+        </p:nvSpPr>
+        <p:spPr>
+          <a:xfrm>
+            <a:off x="5658426" y="4386179"/>
+            <a:ext cx="387928" cy="369332"/>
+          </a:xfrm>
+          <a:prstGeom prst="rect">
+            <a:avLst/>
+          </a:prstGeom>
+          <a:noFill/>
+        </p:spPr>
+        <p:txBody>
+          <a:bodyPr wrap="square" rtlCol="0">
+            <a:spAutoFit/>
+          </a:bodyPr>
+          <a:lstStyle/>
+          <a:p>
+            <a:r>
+              <a:rPr lang="en-US" altLang="ko-KR" b="1" dirty="0"/>
+              <a:t>n</a:t>
+            </a:r>
+            <a:endParaRPr lang="ko-KR" altLang="en-US" b="1" dirty="0"/>
+          </a:p>
+        </p:txBody>
+      </p:sp>
+      <p:sp>
+        <p:nvSpPr>
+          <p:cNvPr id="54" name="TextBox 53">
+            <a:extLst>
+              <a:ext uri="{FF2B5EF4-FFF2-40B4-BE49-F238E27FC236}">
+                <a16:creationId xmlns:a16="http://schemas.microsoft.com/office/drawing/2014/main" id="{7F3D4118-19DE-62EF-8E52-27994123D4CE}"/>
+              </a:ext>
+            </a:extLst>
+          </p:cNvPr>
+          <p:cNvSpPr txBox="1"/>
+          <p:nvPr/>
+        </p:nvSpPr>
+        <p:spPr>
+          <a:xfrm>
+            <a:off x="3061996" y="2645347"/>
+            <a:ext cx="387928" cy="646331"/>
+          </a:xfrm>
+          <a:prstGeom prst="rect">
+            <a:avLst/>
+          </a:prstGeom>
+          <a:noFill/>
+        </p:spPr>
+        <p:txBody>
+          <a:bodyPr wrap="square" rtlCol="0">
+            <a:spAutoFit/>
+          </a:bodyPr>
+          <a:lstStyle/>
+          <a:p>
+            <a:r>
+              <a:rPr lang="en-US" altLang="ko-KR" b="1" dirty="0"/>
+              <a:t>1</a:t>
+            </a:r>
+          </a:p>
+          <a:p>
+            <a:endParaRPr lang="ko-KR" altLang="en-US" b="1" dirty="0"/>
+          </a:p>
+        </p:txBody>
+      </p:sp>
+      <p:sp>
+        <p:nvSpPr>
+          <p:cNvPr id="55" name="TextBox 54">
+            <a:extLst>
+              <a:ext uri="{FF2B5EF4-FFF2-40B4-BE49-F238E27FC236}">
+                <a16:creationId xmlns:a16="http://schemas.microsoft.com/office/drawing/2014/main" id="{CF6F68CF-8A7A-602C-10F0-68074453248A}"/>
+              </a:ext>
+            </a:extLst>
+          </p:cNvPr>
+          <p:cNvSpPr txBox="1"/>
+          <p:nvPr/>
+        </p:nvSpPr>
+        <p:spPr>
+          <a:xfrm>
+            <a:off x="5297052" y="2630237"/>
+            <a:ext cx="387928" cy="646331"/>
+          </a:xfrm>
+          <a:prstGeom prst="rect">
+            <a:avLst/>
+          </a:prstGeom>
+          <a:noFill/>
+        </p:spPr>
+        <p:txBody>
+          <a:bodyPr wrap="square" rtlCol="0">
+            <a:spAutoFit/>
+          </a:bodyPr>
+          <a:lstStyle/>
+          <a:p>
+            <a:r>
+              <a:rPr lang="en-US" altLang="ko-KR" b="1" dirty="0"/>
+              <a:t>1</a:t>
+            </a:r>
+          </a:p>
+          <a:p>
+            <a:endParaRPr lang="ko-KR" altLang="en-US" b="1" dirty="0"/>
+          </a:p>
+        </p:txBody>
+      </p:sp>
+      <p:sp>
+        <p:nvSpPr>
+          <p:cNvPr id="56" name="TextBox 55">
+            <a:extLst>
+              <a:ext uri="{FF2B5EF4-FFF2-40B4-BE49-F238E27FC236}">
+                <a16:creationId xmlns:a16="http://schemas.microsoft.com/office/drawing/2014/main" id="{15AD5076-BA48-2AA3-9494-D931C10F3CF4}"/>
+              </a:ext>
+            </a:extLst>
+          </p:cNvPr>
+          <p:cNvSpPr txBox="1"/>
+          <p:nvPr/>
+        </p:nvSpPr>
+        <p:spPr>
+          <a:xfrm>
+            <a:off x="6562702" y="2657639"/>
+            <a:ext cx="387928" cy="646331"/>
+          </a:xfrm>
+          <a:prstGeom prst="rect">
+            <a:avLst/>
+          </a:prstGeom>
+          <a:noFill/>
+        </p:spPr>
+        <p:txBody>
+          <a:bodyPr wrap="square" rtlCol="0">
+            <a:spAutoFit/>
+          </a:bodyPr>
+          <a:lstStyle/>
+          <a:p>
+            <a:r>
+              <a:rPr lang="en-US" altLang="ko-KR" b="1" dirty="0"/>
+              <a:t>1</a:t>
+            </a:r>
+          </a:p>
+          <a:p>
+            <a:endParaRPr lang="ko-KR" altLang="en-US" b="1" dirty="0"/>
+          </a:p>
+        </p:txBody>
+      </p:sp>
+      <p:sp>
+        <p:nvSpPr>
+          <p:cNvPr id="57" name="TextBox 56">
+            <a:extLst>
+              <a:ext uri="{FF2B5EF4-FFF2-40B4-BE49-F238E27FC236}">
+                <a16:creationId xmlns:a16="http://schemas.microsoft.com/office/drawing/2014/main" id="{110E5544-58E7-1479-449A-0FA99635B82B}"/>
+              </a:ext>
+            </a:extLst>
+          </p:cNvPr>
+          <p:cNvSpPr txBox="1"/>
+          <p:nvPr/>
+        </p:nvSpPr>
+        <p:spPr>
+          <a:xfrm>
+            <a:off x="8802253" y="2619974"/>
+            <a:ext cx="387928" cy="646331"/>
+          </a:xfrm>
+          <a:prstGeom prst="rect">
+            <a:avLst/>
+          </a:prstGeom>
+          <a:noFill/>
+        </p:spPr>
+        <p:txBody>
+          <a:bodyPr wrap="square" rtlCol="0">
+            <a:spAutoFit/>
+          </a:bodyPr>
+          <a:lstStyle/>
+          <a:p>
+            <a:r>
+              <a:rPr lang="en-US" altLang="ko-KR" b="1" dirty="0"/>
+              <a:t>1</a:t>
+            </a:r>
+          </a:p>
+          <a:p>
+            <a:endParaRPr lang="ko-KR" altLang="en-US" b="1" dirty="0"/>
+          </a:p>
+        </p:txBody>
+      </p:sp>
+      <p:sp>
+        <p:nvSpPr>
+          <p:cNvPr id="58" name="TextBox 57">
+            <a:extLst>
+              <a:ext uri="{FF2B5EF4-FFF2-40B4-BE49-F238E27FC236}">
+                <a16:creationId xmlns:a16="http://schemas.microsoft.com/office/drawing/2014/main" id="{70A72A55-6249-E50D-7ECC-8328F2BE5CE3}"/>
+              </a:ext>
+            </a:extLst>
+          </p:cNvPr>
+          <p:cNvSpPr txBox="1"/>
+          <p:nvPr/>
+        </p:nvSpPr>
+        <p:spPr>
+          <a:xfrm>
+            <a:off x="6084501" y="3231236"/>
+            <a:ext cx="387928" cy="646331"/>
+          </a:xfrm>
+          <a:prstGeom prst="rect">
+            <a:avLst/>
+          </a:prstGeom>
+          <a:noFill/>
+        </p:spPr>
+        <p:txBody>
+          <a:bodyPr wrap="square" rtlCol="0">
+            <a:spAutoFit/>
+          </a:bodyPr>
+          <a:lstStyle/>
+          <a:p>
+            <a:r>
+              <a:rPr lang="en-US" altLang="ko-KR" b="1" dirty="0"/>
+              <a:t>1</a:t>
+            </a:r>
+          </a:p>
+          <a:p>
+            <a:endParaRPr lang="ko-KR" altLang="en-US" b="1" dirty="0"/>
+          </a:p>
+        </p:txBody>
+      </p:sp>
+      <p:sp>
+        <p:nvSpPr>
+          <p:cNvPr id="59" name="TextBox 58">
+            <a:extLst>
+              <a:ext uri="{FF2B5EF4-FFF2-40B4-BE49-F238E27FC236}">
+                <a16:creationId xmlns:a16="http://schemas.microsoft.com/office/drawing/2014/main" id="{050CAE50-239F-EED0-C3BD-B22E146B7E4B}"/>
+              </a:ext>
+            </a:extLst>
+          </p:cNvPr>
+          <p:cNvSpPr txBox="1"/>
+          <p:nvPr/>
+        </p:nvSpPr>
+        <p:spPr>
+          <a:xfrm>
+            <a:off x="5153022" y="3132975"/>
+            <a:ext cx="387928" cy="646331"/>
+          </a:xfrm>
+          <a:prstGeom prst="rect">
+            <a:avLst/>
+          </a:prstGeom>
+          <a:noFill/>
+        </p:spPr>
+        <p:txBody>
+          <a:bodyPr wrap="square" rtlCol="0">
+            <a:spAutoFit/>
+          </a:bodyPr>
+          <a:lstStyle/>
+          <a:p>
+            <a:r>
+              <a:rPr lang="en-US" altLang="ko-KR" b="1" dirty="0"/>
+              <a:t>1</a:t>
+            </a:r>
+          </a:p>
+          <a:p>
+            <a:endParaRPr lang="ko-KR" altLang="en-US" b="1" dirty="0"/>
+          </a:p>
+        </p:txBody>
+      </p:sp>
+      <p:sp>
+        <p:nvSpPr>
+          <p:cNvPr id="60" name="TextBox 59">
+            <a:extLst>
+              <a:ext uri="{FF2B5EF4-FFF2-40B4-BE49-F238E27FC236}">
+                <a16:creationId xmlns:a16="http://schemas.microsoft.com/office/drawing/2014/main" id="{E7CAE4B3-1209-F4C7-0764-FF69E5B58244}"/>
+              </a:ext>
+            </a:extLst>
+          </p:cNvPr>
+          <p:cNvSpPr txBox="1"/>
+          <p:nvPr/>
+        </p:nvSpPr>
+        <p:spPr>
+          <a:xfrm>
+            <a:off x="3605475" y="3643391"/>
+            <a:ext cx="387928" cy="646331"/>
+          </a:xfrm>
+          <a:prstGeom prst="rect">
+            <a:avLst/>
+          </a:prstGeom>
+          <a:noFill/>
+        </p:spPr>
+        <p:txBody>
+          <a:bodyPr wrap="square" rtlCol="0">
+            <a:spAutoFit/>
+          </a:bodyPr>
+          <a:lstStyle/>
+          <a:p>
+            <a:r>
+              <a:rPr lang="en-US" altLang="ko-KR" b="1" dirty="0"/>
+              <a:t>1</a:t>
+            </a:r>
+          </a:p>
+          <a:p>
+            <a:endParaRPr lang="ko-KR" altLang="en-US" b="1" dirty="0"/>
+          </a:p>
+        </p:txBody>
+      </p:sp>
+      <p:sp>
+        <p:nvSpPr>
+          <p:cNvPr id="61" name="TextBox 60">
+            <a:extLst>
+              <a:ext uri="{FF2B5EF4-FFF2-40B4-BE49-F238E27FC236}">
+                <a16:creationId xmlns:a16="http://schemas.microsoft.com/office/drawing/2014/main" id="{4D21E44F-B189-5AAD-C39E-98E93D61A2CD}"/>
+              </a:ext>
+            </a:extLst>
+          </p:cNvPr>
+          <p:cNvSpPr txBox="1"/>
+          <p:nvPr/>
+        </p:nvSpPr>
+        <p:spPr>
+          <a:xfrm>
+            <a:off x="3541357" y="4870122"/>
+            <a:ext cx="387928" cy="646331"/>
+          </a:xfrm>
+          <a:prstGeom prst="rect">
+            <a:avLst/>
+          </a:prstGeom>
+          <a:noFill/>
+        </p:spPr>
+        <p:txBody>
+          <a:bodyPr wrap="square" rtlCol="0">
+            <a:spAutoFit/>
+          </a:bodyPr>
+          <a:lstStyle/>
+          <a:p>
+            <a:r>
+              <a:rPr lang="en-US" altLang="ko-KR" b="1" dirty="0"/>
+              <a:t>1</a:t>
+            </a:r>
+          </a:p>
+          <a:p>
+            <a:endParaRPr lang="ko-KR" altLang="en-US" b="1" dirty="0"/>
+          </a:p>
+        </p:txBody>
+      </p:sp>
+      <p:sp>
+        <p:nvSpPr>
+          <p:cNvPr id="64" name="사각형: 둥근 모서리 63">
+            <a:extLst>
+              <a:ext uri="{FF2B5EF4-FFF2-40B4-BE49-F238E27FC236}">
+                <a16:creationId xmlns:a16="http://schemas.microsoft.com/office/drawing/2014/main" id="{66AFB797-DBEC-6A4F-AA7F-96684A1F3109}"/>
+              </a:ext>
+            </a:extLst>
+          </p:cNvPr>
+          <p:cNvSpPr/>
+          <p:nvPr/>
+        </p:nvSpPr>
+        <p:spPr>
+          <a:xfrm>
+            <a:off x="8353670" y="4034455"/>
+            <a:ext cx="997528" cy="434109"/>
+          </a:xfrm>
+          <a:prstGeom prst="roundRect">
+            <a:avLst/>
+          </a:prstGeom>
+        </p:spPr>
+        <p:style>
+          <a:lnRef idx="2">
+            <a:schemeClr val="accent1">
+              <a:shade val="15000"/>
+            </a:schemeClr>
+          </a:lnRef>
+          <a:fillRef idx="1">
+            <a:schemeClr val="accent1"/>
+          </a:fillRef>
+          <a:effectRef idx="0">
+            <a:schemeClr val="accent1"/>
+          </a:effectRef>
+          <a:fontRef idx="minor">
+            <a:schemeClr val="lt1"/>
+          </a:fontRef>
+        </p:style>
+        <p:txBody>
+          <a:bodyPr rtlCol="0" anchor="ctr"/>
+          <a:lstStyle/>
+          <a:p>
+            <a:pPr algn="ctr"/>
+            <a:r>
+              <a:rPr lang="ko-KR" altLang="en-US" dirty="0"/>
+              <a:t>감독</a:t>
+            </a:r>
+            <a:endParaRPr lang="en-US" altLang="ko-KR" dirty="0"/>
+          </a:p>
+        </p:txBody>
+      </p:sp>
+      <p:sp>
+        <p:nvSpPr>
+          <p:cNvPr id="65" name="사각형: 둥근 모서리 64">
+            <a:extLst>
+              <a:ext uri="{FF2B5EF4-FFF2-40B4-BE49-F238E27FC236}">
+                <a16:creationId xmlns:a16="http://schemas.microsoft.com/office/drawing/2014/main" id="{3DE20652-7112-026F-3A5A-9EE8D64F7F70}"/>
+              </a:ext>
+            </a:extLst>
+          </p:cNvPr>
+          <p:cNvSpPr/>
+          <p:nvPr/>
+        </p:nvSpPr>
+        <p:spPr>
+          <a:xfrm>
+            <a:off x="6950630" y="4034455"/>
+            <a:ext cx="997528" cy="434109"/>
+          </a:xfrm>
+          <a:prstGeom prst="roundRect">
+            <a:avLst/>
+          </a:prstGeom>
+        </p:spPr>
+        <p:style>
+          <a:lnRef idx="2">
+            <a:schemeClr val="accent1">
+              <a:shade val="15000"/>
+            </a:schemeClr>
+          </a:lnRef>
+          <a:fillRef idx="1">
+            <a:schemeClr val="accent1"/>
+          </a:fillRef>
+          <a:effectRef idx="0">
+            <a:schemeClr val="accent1"/>
+          </a:effectRef>
+          <a:fontRef idx="minor">
+            <a:schemeClr val="lt1"/>
+          </a:fontRef>
+        </p:style>
+        <p:txBody>
+          <a:bodyPr rtlCol="0" anchor="ctr"/>
+          <a:lstStyle/>
+          <a:p>
+            <a:pPr algn="ctr"/>
+            <a:r>
+              <a:rPr lang="ko-KR" altLang="en-US" dirty="0"/>
+              <a:t>감독</a:t>
+            </a:r>
+            <a:endParaRPr lang="en-US" altLang="ko-KR" dirty="0"/>
+          </a:p>
+        </p:txBody>
+      </p:sp>
+      <p:sp>
+        <p:nvSpPr>
+          <p:cNvPr id="68" name="TextBox 67">
+            <a:extLst>
+              <a:ext uri="{FF2B5EF4-FFF2-40B4-BE49-F238E27FC236}">
+                <a16:creationId xmlns:a16="http://schemas.microsoft.com/office/drawing/2014/main" id="{4510A3F3-9E7D-E40B-3F02-E39D6AD1983C}"/>
+              </a:ext>
+            </a:extLst>
+          </p:cNvPr>
+          <p:cNvSpPr txBox="1"/>
+          <p:nvPr/>
+        </p:nvSpPr>
+        <p:spPr>
+          <a:xfrm>
+            <a:off x="5658426" y="4872202"/>
+            <a:ext cx="387928" cy="646331"/>
+          </a:xfrm>
+          <a:prstGeom prst="rect">
+            <a:avLst/>
+          </a:prstGeom>
+          <a:noFill/>
+        </p:spPr>
+        <p:txBody>
+          <a:bodyPr wrap="square" rtlCol="0">
+            <a:spAutoFit/>
+          </a:bodyPr>
+          <a:lstStyle/>
+          <a:p>
+            <a:r>
+              <a:rPr lang="en-US" altLang="ko-KR" b="1" dirty="0"/>
+              <a:t>1</a:t>
+            </a:r>
+          </a:p>
+          <a:p>
+            <a:endParaRPr lang="ko-KR" altLang="en-US" b="1" dirty="0"/>
+          </a:p>
+        </p:txBody>
+      </p:sp>
+      <p:cxnSp>
+        <p:nvCxnSpPr>
+          <p:cNvPr id="70" name="직선 연결선 69">
+            <a:extLst>
+              <a:ext uri="{FF2B5EF4-FFF2-40B4-BE49-F238E27FC236}">
+                <a16:creationId xmlns:a16="http://schemas.microsoft.com/office/drawing/2014/main" id="{87EB4C65-939B-FDF5-BBCD-8FB7207DFBBA}"/>
+              </a:ext>
+            </a:extLst>
+          </p:cNvPr>
+          <p:cNvCxnSpPr>
+            <a:stCxn id="58" idx="0"/>
+            <a:endCxn id="65" idx="0"/>
+          </p:cNvCxnSpPr>
+          <p:nvPr/>
+        </p:nvCxnSpPr>
+        <p:spPr>
+          <a:xfrm>
+            <a:off x="6278465" y="3231236"/>
+            <a:ext cx="1170929" cy="803219"/>
+          </a:xfrm>
+          <a:prstGeom prst="line">
+            <a:avLst/>
+          </a:prstGeom>
+        </p:spPr>
+        <p:style>
+          <a:lnRef idx="1">
+            <a:schemeClr val="dk1"/>
+          </a:lnRef>
+          <a:fillRef idx="0">
+            <a:schemeClr val="dk1"/>
+          </a:fillRef>
+          <a:effectRef idx="0">
+            <a:schemeClr val="dk1"/>
+          </a:effectRef>
+          <a:fontRef idx="minor">
+            <a:schemeClr val="tx1"/>
+          </a:fontRef>
+        </p:style>
+      </p:cxnSp>
+      <p:cxnSp>
+        <p:nvCxnSpPr>
+          <p:cNvPr id="72" name="직선 연결선 71">
+            <a:extLst>
+              <a:ext uri="{FF2B5EF4-FFF2-40B4-BE49-F238E27FC236}">
+                <a16:creationId xmlns:a16="http://schemas.microsoft.com/office/drawing/2014/main" id="{7A2F3E36-D5B2-D27C-7AA1-BBD448BD76EB}"/>
+              </a:ext>
+            </a:extLst>
+          </p:cNvPr>
+          <p:cNvCxnSpPr>
+            <a:stCxn id="3" idx="2"/>
+            <a:endCxn id="64" idx="0"/>
+          </p:cNvCxnSpPr>
+          <p:nvPr/>
+        </p:nvCxnSpPr>
+        <p:spPr>
+          <a:xfrm>
+            <a:off x="6096000" y="3198672"/>
+            <a:ext cx="2756434" cy="835783"/>
+          </a:xfrm>
+          <a:prstGeom prst="line">
+            <a:avLst/>
+          </a:prstGeom>
+        </p:spPr>
+        <p:style>
+          <a:lnRef idx="1">
+            <a:schemeClr val="dk1"/>
+          </a:lnRef>
+          <a:fillRef idx="0">
+            <a:schemeClr val="dk1"/>
+          </a:fillRef>
+          <a:effectRef idx="0">
+            <a:schemeClr val="dk1"/>
+          </a:effectRef>
+          <a:fontRef idx="minor">
+            <a:schemeClr val="tx1"/>
+          </a:fontRef>
+        </p:style>
+      </p:cxnSp>
+      <p:sp>
+        <p:nvSpPr>
+          <p:cNvPr id="74" name="사각형: 둥근 모서리 73">
+            <a:extLst>
+              <a:ext uri="{FF2B5EF4-FFF2-40B4-BE49-F238E27FC236}">
+                <a16:creationId xmlns:a16="http://schemas.microsoft.com/office/drawing/2014/main" id="{5C4FE711-D1D2-D31A-3314-6AAC5912E6BD}"/>
+              </a:ext>
+            </a:extLst>
+          </p:cNvPr>
+          <p:cNvSpPr/>
+          <p:nvPr/>
+        </p:nvSpPr>
+        <p:spPr>
+          <a:xfrm>
+            <a:off x="10847493" y="2768661"/>
+            <a:ext cx="997528" cy="434109"/>
+          </a:xfrm>
+          <a:prstGeom prst="roundRect">
+            <a:avLst/>
+          </a:prstGeom>
+        </p:spPr>
+        <p:style>
+          <a:lnRef idx="2">
+            <a:schemeClr val="accent1">
+              <a:shade val="15000"/>
+            </a:schemeClr>
+          </a:lnRef>
+          <a:fillRef idx="1">
+            <a:schemeClr val="accent1"/>
+          </a:fillRef>
+          <a:effectRef idx="0">
+            <a:schemeClr val="accent1"/>
+          </a:effectRef>
+          <a:fontRef idx="minor">
+            <a:schemeClr val="lt1"/>
+          </a:fontRef>
+        </p:style>
+        <p:txBody>
+          <a:bodyPr rtlCol="0" anchor="ctr"/>
+          <a:lstStyle/>
+          <a:p>
+            <a:pPr algn="ctr"/>
+            <a:r>
+              <a:rPr lang="ko-KR" altLang="en-US" sz="1400" dirty="0"/>
+              <a:t>상영회사</a:t>
+            </a:r>
+            <a:endParaRPr lang="en-US" altLang="ko-KR" sz="1400" dirty="0"/>
+          </a:p>
+        </p:txBody>
+      </p:sp>
+      <p:cxnSp>
+        <p:nvCxnSpPr>
+          <p:cNvPr id="76" name="직선 연결선 75">
+            <a:extLst>
+              <a:ext uri="{FF2B5EF4-FFF2-40B4-BE49-F238E27FC236}">
+                <a16:creationId xmlns:a16="http://schemas.microsoft.com/office/drawing/2014/main" id="{97052CC4-2BF3-5AF3-5750-2F1CAFC94112}"/>
+              </a:ext>
+            </a:extLst>
+          </p:cNvPr>
+          <p:cNvCxnSpPr>
+            <a:stCxn id="6" idx="3"/>
+            <a:endCxn id="74" idx="1"/>
+          </p:cNvCxnSpPr>
+          <p:nvPr/>
+        </p:nvCxnSpPr>
+        <p:spPr>
+          <a:xfrm flipV="1">
+            <a:off x="10084953" y="2985716"/>
+            <a:ext cx="762540" cy="14373"/>
+          </a:xfrm>
+          <a:prstGeom prst="line">
+            <a:avLst/>
+          </a:prstGeom>
+        </p:spPr>
+        <p:style>
+          <a:lnRef idx="1">
+            <a:schemeClr val="dk1"/>
+          </a:lnRef>
+          <a:fillRef idx="0">
+            <a:schemeClr val="dk1"/>
+          </a:fillRef>
+          <a:effectRef idx="0">
+            <a:schemeClr val="dk1"/>
+          </a:effectRef>
+          <a:fontRef idx="minor">
+            <a:schemeClr val="tx1"/>
+          </a:fontRef>
+        </p:style>
+      </p:cxnSp>
+      <p:sp>
+        <p:nvSpPr>
+          <p:cNvPr id="77" name="TextBox 76">
+            <a:extLst>
+              <a:ext uri="{FF2B5EF4-FFF2-40B4-BE49-F238E27FC236}">
+                <a16:creationId xmlns:a16="http://schemas.microsoft.com/office/drawing/2014/main" id="{753D984C-53B9-2623-E60D-B6FBF5EFA965}"/>
+              </a:ext>
+            </a:extLst>
+          </p:cNvPr>
+          <p:cNvSpPr txBox="1"/>
+          <p:nvPr/>
+        </p:nvSpPr>
+        <p:spPr>
+          <a:xfrm>
+            <a:off x="10510093" y="2630237"/>
+            <a:ext cx="387928" cy="646331"/>
+          </a:xfrm>
+          <a:prstGeom prst="rect">
+            <a:avLst/>
+          </a:prstGeom>
+          <a:noFill/>
+        </p:spPr>
+        <p:txBody>
+          <a:bodyPr wrap="square" rtlCol="0">
+            <a:spAutoFit/>
+          </a:bodyPr>
+          <a:lstStyle/>
+          <a:p>
+            <a:r>
+              <a:rPr lang="en-US" altLang="ko-KR" b="1" dirty="0"/>
+              <a:t>1</a:t>
+            </a:r>
+          </a:p>
+          <a:p>
+            <a:endParaRPr lang="ko-KR" altLang="en-US" b="1" dirty="0"/>
+          </a:p>
+        </p:txBody>
+      </p:sp>
+      <p:sp>
+        <p:nvSpPr>
+          <p:cNvPr id="78" name="TextBox 77">
+            <a:extLst>
+              <a:ext uri="{FF2B5EF4-FFF2-40B4-BE49-F238E27FC236}">
+                <a16:creationId xmlns:a16="http://schemas.microsoft.com/office/drawing/2014/main" id="{547106C1-9949-9798-AB48-D3C5DAA3C501}"/>
+              </a:ext>
+            </a:extLst>
+          </p:cNvPr>
+          <p:cNvSpPr txBox="1"/>
+          <p:nvPr/>
+        </p:nvSpPr>
+        <p:spPr>
+          <a:xfrm>
+            <a:off x="8713888" y="3700414"/>
+            <a:ext cx="387928" cy="646331"/>
+          </a:xfrm>
+          <a:prstGeom prst="rect">
+            <a:avLst/>
+          </a:prstGeom>
+          <a:noFill/>
+        </p:spPr>
+        <p:txBody>
+          <a:bodyPr wrap="square" rtlCol="0">
+            <a:spAutoFit/>
+          </a:bodyPr>
+          <a:lstStyle/>
+          <a:p>
+            <a:r>
+              <a:rPr lang="en-US" altLang="ko-KR" b="1" dirty="0"/>
+              <a:t>1</a:t>
+            </a:r>
+          </a:p>
+          <a:p>
+            <a:endParaRPr lang="ko-KR" altLang="en-US" b="1" dirty="0"/>
+          </a:p>
+        </p:txBody>
+      </p:sp>
+      <p:sp>
+        <p:nvSpPr>
+          <p:cNvPr id="81" name="TextBox 80">
+            <a:extLst>
+              <a:ext uri="{FF2B5EF4-FFF2-40B4-BE49-F238E27FC236}">
+                <a16:creationId xmlns:a16="http://schemas.microsoft.com/office/drawing/2014/main" id="{1FEE7C75-B73F-CD0A-69E2-CF6F483CE0AD}"/>
+              </a:ext>
+            </a:extLst>
+          </p:cNvPr>
+          <p:cNvSpPr txBox="1"/>
+          <p:nvPr/>
+        </p:nvSpPr>
+        <p:spPr>
+          <a:xfrm>
+            <a:off x="7379217" y="3700414"/>
+            <a:ext cx="387928" cy="646331"/>
+          </a:xfrm>
+          <a:prstGeom prst="rect">
+            <a:avLst/>
+          </a:prstGeom>
+          <a:noFill/>
+        </p:spPr>
+        <p:txBody>
+          <a:bodyPr wrap="square" rtlCol="0">
+            <a:spAutoFit/>
+          </a:bodyPr>
+          <a:lstStyle/>
+          <a:p>
+            <a:r>
+              <a:rPr lang="en-US" altLang="ko-KR" b="1" dirty="0"/>
+              <a:t>1</a:t>
+            </a:r>
+          </a:p>
+          <a:p>
+            <a:endParaRPr lang="ko-KR" altLang="en-US" b="1" dirty="0"/>
+          </a:p>
+        </p:txBody>
+      </p:sp>
+      <p:sp>
+        <p:nvSpPr>
+          <p:cNvPr id="82" name="TextBox 81">
+            <a:extLst>
+              <a:ext uri="{FF2B5EF4-FFF2-40B4-BE49-F238E27FC236}">
+                <a16:creationId xmlns:a16="http://schemas.microsoft.com/office/drawing/2014/main" id="{10B30B7B-1CD2-A1AD-8914-FACDD9B812F5}"/>
+              </a:ext>
+            </a:extLst>
+          </p:cNvPr>
+          <p:cNvSpPr txBox="1"/>
+          <p:nvPr/>
+        </p:nvSpPr>
+        <p:spPr>
+          <a:xfrm>
+            <a:off x="10073723" y="2593813"/>
+            <a:ext cx="387928" cy="369332"/>
+          </a:xfrm>
+          <a:prstGeom prst="rect">
+            <a:avLst/>
+          </a:prstGeom>
+          <a:noFill/>
+        </p:spPr>
+        <p:txBody>
+          <a:bodyPr wrap="square" rtlCol="0">
+            <a:spAutoFit/>
+          </a:bodyPr>
+          <a:lstStyle/>
+          <a:p>
+            <a:r>
+              <a:rPr lang="en-US" altLang="ko-KR" b="1" dirty="0"/>
+              <a:t>n</a:t>
+            </a:r>
+            <a:endParaRPr lang="ko-KR" altLang="en-US" b="1" dirty="0"/>
+          </a:p>
+        </p:txBody>
+      </p:sp>
+      <p:sp>
+        <p:nvSpPr>
+          <p:cNvPr id="83" name="TextBox 82">
+            <a:extLst>
+              <a:ext uri="{FF2B5EF4-FFF2-40B4-BE49-F238E27FC236}">
+                <a16:creationId xmlns:a16="http://schemas.microsoft.com/office/drawing/2014/main" id="{DDDE8588-CDBE-C026-F68A-2CB22FF11D24}"/>
+              </a:ext>
+            </a:extLst>
+          </p:cNvPr>
+          <p:cNvSpPr txBox="1"/>
+          <p:nvPr/>
+        </p:nvSpPr>
+        <p:spPr>
+          <a:xfrm>
+            <a:off x="6464409" y="3295363"/>
+            <a:ext cx="387928" cy="369332"/>
+          </a:xfrm>
+          <a:prstGeom prst="rect">
+            <a:avLst/>
+          </a:prstGeom>
+          <a:noFill/>
+        </p:spPr>
+        <p:txBody>
+          <a:bodyPr wrap="square" rtlCol="0">
+            <a:spAutoFit/>
+          </a:bodyPr>
+          <a:lstStyle/>
+          <a:p>
+            <a:r>
+              <a:rPr lang="en-US" altLang="ko-KR" b="1" dirty="0"/>
+              <a:t>n</a:t>
+            </a:r>
+            <a:endParaRPr lang="ko-KR" altLang="en-US" b="1" dirty="0"/>
+          </a:p>
+        </p:txBody>
+      </p:sp>
+      <p:sp>
+        <p:nvSpPr>
+          <p:cNvPr id="84" name="TextBox 83">
+            <a:extLst>
+              <a:ext uri="{FF2B5EF4-FFF2-40B4-BE49-F238E27FC236}">
+                <a16:creationId xmlns:a16="http://schemas.microsoft.com/office/drawing/2014/main" id="{4457C08A-EC30-526F-31CF-C8E94E53637C}"/>
+              </a:ext>
+            </a:extLst>
+          </p:cNvPr>
+          <p:cNvSpPr txBox="1"/>
+          <p:nvPr/>
+        </p:nvSpPr>
+        <p:spPr>
+          <a:xfrm>
+            <a:off x="6593996" y="3074167"/>
+            <a:ext cx="387928" cy="369332"/>
+          </a:xfrm>
+          <a:prstGeom prst="rect">
+            <a:avLst/>
+          </a:prstGeom>
+          <a:noFill/>
+        </p:spPr>
+        <p:txBody>
+          <a:bodyPr wrap="square" rtlCol="0">
+            <a:spAutoFit/>
+          </a:bodyPr>
+          <a:lstStyle/>
+          <a:p>
+            <a:r>
+              <a:rPr lang="en-US" altLang="ko-KR" b="1" dirty="0"/>
+              <a:t>n</a:t>
+            </a:r>
+            <a:endParaRPr lang="ko-KR" altLang="en-US" b="1" dirty="0"/>
+          </a:p>
+        </p:txBody>
+      </p:sp>
     </p:spTree>
     <p:extLst>
       <p:ext uri="{BB962C8B-B14F-4D97-AF65-F5344CB8AC3E}">
-        <p14:creationId xmlns:p14="http://schemas.microsoft.com/office/powerpoint/2010/main" val="1231556614"/>
+        <p14:creationId xmlns:p14="http://schemas.microsoft.com/office/powerpoint/2010/main" val="1754969967"/>
       </p:ext>
     </p:extLst>
   </p:cSld>
@@ -4297,42 +7298,29 @@
           <a:p>
             <a:r>
               <a:rPr lang="en-US" altLang="ko-KR" dirty="0"/>
-              <a:t>2-1 </a:t>
+              <a:t>2 </a:t>
             </a:r>
             <a:r>
               <a:rPr lang="ko-KR" altLang="en-US" dirty="0"/>
-              <a:t>사용자 </a:t>
+              <a:t>논리적 설계 </a:t>
             </a:r>
             <a:r>
               <a:rPr lang="en-US" altLang="ko-KR" dirty="0"/>
-              <a:t>– </a:t>
+              <a:t>ERD-</a:t>
             </a:r>
             <a:r>
               <a:rPr lang="ko-KR" altLang="en-US" dirty="0"/>
-              <a:t>영화 관계 </a:t>
-            </a:r>
-            <a:r>
-              <a:rPr lang="en-US" altLang="ko-KR" dirty="0"/>
-              <a:t>(</a:t>
-            </a:r>
-            <a:r>
-              <a:rPr lang="ko-KR" altLang="en-US" dirty="0"/>
-              <a:t>리뷰</a:t>
-            </a:r>
-            <a:r>
-              <a:rPr lang="en-US" altLang="ko-KR" dirty="0"/>
-              <a:t>)</a:t>
-            </a:r>
-            <a:endParaRPr lang="ko-KR" altLang="en-US" dirty="0"/>
+              <a:t>다이어그램</a:t>
+            </a:r>
           </a:p>
         </p:txBody>
       </p:sp>
       <p:pic>
         <p:nvPicPr>
-          <p:cNvPr id="3" name="!!그림 3" descr="텍스트, 스크린샷, 소프트웨어, 번호이(가) 표시된 사진&#10;&#10;자동 생성된 설명">
+          <p:cNvPr id="4" name="!!그림 2" descr="텍스트, 스크린샷, 디자인이(가) 표시된 사진&#10;&#10;자동 생성된 설명">
             <a:extLst>
               <a:ext uri="{FF2B5EF4-FFF2-40B4-BE49-F238E27FC236}">
-                <a16:creationId xmlns:a16="http://schemas.microsoft.com/office/drawing/2014/main" id="{0E1134DE-76D0-AFB0-7610-03552E4921B4}"/>
+                <a16:creationId xmlns:a16="http://schemas.microsoft.com/office/drawing/2014/main" id="{7D57BC60-ADF2-B38F-9E95-D64E191F2E96}"/>
               </a:ext>
             </a:extLst>
           </p:cNvPr>
@@ -4355,7 +7343,149 @@
         </p:blipFill>
         <p:spPr>
           <a:xfrm>
-            <a:off x="1371600" y="1724024"/>
+            <a:off x="1371600" y="1724025"/>
+            <a:ext cx="9601200" cy="4743450"/>
+          </a:xfrm>
+          <a:prstGeom prst="rect">
+            <a:avLst/>
+          </a:prstGeom>
+        </p:spPr>
+      </p:pic>
+    </p:spTree>
+    <p:extLst>
+      <p:ext uri="{BB962C8B-B14F-4D97-AF65-F5344CB8AC3E}">
+        <p14:creationId xmlns:p14="http://schemas.microsoft.com/office/powerpoint/2010/main" val="1231556614"/>
+      </p:ext>
+    </p:extLst>
+  </p:cSld>
+  <p:clrMapOvr>
+    <a:masterClrMapping/>
+  </p:clrMapOvr>
+</p:sld>
+</file>
+
+<file path=ppt/slides/slide5.xml><?xml version="1.0" encoding="utf-8"?>
+<p:sld xmlns:a="http://schemas.openxmlformats.org/drawingml/2006/main" xmlns:r="http://schemas.openxmlformats.org/officeDocument/2006/relationships" xmlns:p="http://schemas.openxmlformats.org/presentationml/2006/main">
+  <p:cSld>
+    <p:spTree>
+      <p:nvGrpSpPr>
+        <p:cNvPr id="1" name=""/>
+        <p:cNvGrpSpPr/>
+        <p:nvPr/>
+      </p:nvGrpSpPr>
+      <p:grpSpPr>
+        <a:xfrm>
+          <a:off x="0" y="0"/>
+          <a:ext cx="0" cy="0"/>
+          <a:chOff x="0" y="0"/>
+          <a:chExt cx="0" cy="0"/>
+        </a:xfrm>
+      </p:grpSpPr>
+      <p:sp>
+        <p:nvSpPr>
+          <p:cNvPr id="2" name="제목 1">
+            <a:extLst>
+              <a:ext uri="{FF2B5EF4-FFF2-40B4-BE49-F238E27FC236}">
+                <a16:creationId xmlns:a16="http://schemas.microsoft.com/office/drawing/2014/main" id="{F9A2A5FC-6D2C-AA3B-1F4F-1E4B2CF8D16D}"/>
+              </a:ext>
+            </a:extLst>
+          </p:cNvPr>
+          <p:cNvSpPr>
+            <a:spLocks noGrp="1"/>
+          </p:cNvSpPr>
+          <p:nvPr>
+            <p:ph type="title"/>
+          </p:nvPr>
+        </p:nvSpPr>
+        <p:spPr/>
+        <p:txBody>
+          <a:bodyPr/>
+          <a:lstStyle/>
+          <a:p>
+            <a:r>
+              <a:rPr lang="en-US" altLang="ko-KR" dirty="0"/>
+              <a:t>2</a:t>
+            </a:r>
+            <a:r>
+              <a:rPr lang="ko-KR" altLang="en-US" dirty="0"/>
+              <a:t> 논리적 설계 </a:t>
+            </a:r>
+            <a:r>
+              <a:rPr lang="en-US" altLang="ko-KR" dirty="0"/>
+              <a:t>ERD-</a:t>
+            </a:r>
+            <a:r>
+              <a:rPr lang="ko-KR" altLang="en-US" dirty="0"/>
+              <a:t>다이어그램</a:t>
+            </a:r>
+            <a:br>
+              <a:rPr lang="en-US" altLang="ko-KR" dirty="0"/>
+            </a:br>
+            <a:r>
+              <a:rPr lang="en-US" altLang="ko-KR" dirty="0"/>
+              <a:t>	</a:t>
+            </a:r>
+            <a:r>
+              <a:rPr lang="en-US" altLang="ko-KR" sz="3600" dirty="0"/>
+              <a:t>1) </a:t>
+            </a:r>
+            <a:r>
+              <a:rPr lang="ko-KR" altLang="en-US" sz="3600" dirty="0"/>
+              <a:t>사용자 </a:t>
+            </a:r>
+            <a:r>
+              <a:rPr lang="en-US" altLang="ko-KR" sz="3600" dirty="0"/>
+              <a:t>– </a:t>
+            </a:r>
+            <a:r>
+              <a:rPr lang="ko-KR" altLang="en-US" sz="3600" dirty="0"/>
+              <a:t>영화 관계 </a:t>
+            </a:r>
+            <a:r>
+              <a:rPr lang="en-US" altLang="ko-KR" sz="3600" dirty="0"/>
+              <a:t>(</a:t>
+            </a:r>
+            <a:r>
+              <a:rPr lang="ko-KR" altLang="en-US" sz="3600" dirty="0"/>
+              <a:t>리뷰</a:t>
+            </a:r>
+            <a:r>
+              <a:rPr lang="en-US" altLang="ko-KR" sz="3600" dirty="0"/>
+              <a:t>)</a:t>
+            </a:r>
+            <a:endParaRPr lang="ko-KR" altLang="en-US" sz="3600" dirty="0"/>
+          </a:p>
+        </p:txBody>
+      </p:sp>
+      <p:pic>
+        <p:nvPicPr>
+          <p:cNvPr id="3" name="!!그림 3" descr="텍스트, 스크린샷, 소프트웨어, 번호이(가) 표시된 사진&#10;&#10;자동 생성된 설명">
+            <a:extLst>
+              <a:ext uri="{FF2B5EF4-FFF2-40B4-BE49-F238E27FC236}">
+                <a16:creationId xmlns:a16="http://schemas.microsoft.com/office/drawing/2014/main" id="{0E1134DE-76D0-AFB0-7610-03552E4921B4}"/>
+              </a:ext>
+            </a:extLst>
+          </p:cNvPr>
+          <p:cNvPicPr>
+            <a:picLocks noChangeAspect="1"/>
+          </p:cNvPicPr>
+          <p:nvPr/>
+        </p:nvPicPr>
+        <p:blipFill>
+          <a:blip r:embed="rId2">
+            <a:extLst>
+              <a:ext uri="{28A0092B-C50C-407E-A947-70E740481C1C}">
+                <a14:useLocalDpi xmlns:a14="http://schemas.microsoft.com/office/drawing/2010/main" val="0"/>
+              </a:ext>
+            </a:extLst>
+          </a:blip>
+          <a:stretch>
+            <a:fillRect/>
+          </a:stretch>
+        </p:blipFill>
+        <p:spPr>
+          <a:xfrm>
+            <a:off x="1371600" y="2114551"/>
             <a:ext cx="9601200" cy="4743449"/>
           </a:xfrm>
           <a:prstGeom prst="rect">
@@ -4384,112 +7514,6 @@
 </p:sld>
 </file>
 
-<file path=ppt/slides/slide5.xml><?xml version="1.0" encoding="utf-8"?>
-<p:sld xmlns:a="http://schemas.openxmlformats.org/drawingml/2006/main" xmlns:r="http://schemas.openxmlformats.org/officeDocument/2006/relationships" xmlns:p="http://schemas.openxmlformats.org/presentationml/2006/main">
-  <p:cSld>
-    <p:spTree>
-      <p:nvGrpSpPr>
-        <p:cNvPr id="1" name=""/>
-        <p:cNvGrpSpPr/>
-        <p:nvPr/>
-      </p:nvGrpSpPr>
-      <p:grpSpPr>
-        <a:xfrm>
-          <a:off x="0" y="0"/>
-          <a:ext cx="0" cy="0"/>
-          <a:chOff x="0" y="0"/>
-          <a:chExt cx="0" cy="0"/>
-        </a:xfrm>
-      </p:grpSpPr>
-      <p:sp>
-        <p:nvSpPr>
-          <p:cNvPr id="2" name="제목 1">
-            <a:extLst>
-              <a:ext uri="{FF2B5EF4-FFF2-40B4-BE49-F238E27FC236}">
-                <a16:creationId xmlns:a16="http://schemas.microsoft.com/office/drawing/2014/main" id="{F9A2A5FC-6D2C-AA3B-1F4F-1E4B2CF8D16D}"/>
-              </a:ext>
-            </a:extLst>
-          </p:cNvPr>
-          <p:cNvSpPr>
-            <a:spLocks noGrp="1"/>
-          </p:cNvSpPr>
-          <p:nvPr>
-            <p:ph type="title"/>
-          </p:nvPr>
-        </p:nvSpPr>
-        <p:spPr/>
-        <p:txBody>
-          <a:bodyPr/>
-          <a:lstStyle/>
-          <a:p>
-            <a:r>
-              <a:rPr lang="en-US" altLang="ko-KR" dirty="0"/>
-              <a:t>2-1 </a:t>
-            </a:r>
-            <a:r>
-              <a:rPr lang="ko-KR" altLang="en-US" dirty="0"/>
-              <a:t>영화 </a:t>
-            </a:r>
-            <a:r>
-              <a:rPr lang="en-US" altLang="ko-KR" dirty="0"/>
-              <a:t>- </a:t>
-            </a:r>
-            <a:r>
-              <a:rPr lang="ko-KR" altLang="en-US" dirty="0"/>
-              <a:t>극장 관계</a:t>
-            </a:r>
-          </a:p>
-        </p:txBody>
-      </p:sp>
-      <p:pic>
-        <p:nvPicPr>
-          <p:cNvPr id="4" name="!!그림 2" descr="텍스트, 스크린샷, 소프트웨어, 번호이(가) 표시된 사진&#10;&#10;자동 생성된 설명">
-            <a:extLst>
-              <a:ext uri="{FF2B5EF4-FFF2-40B4-BE49-F238E27FC236}">
-                <a16:creationId xmlns:a16="http://schemas.microsoft.com/office/drawing/2014/main" id="{D05F1B92-268E-2C51-5994-C944D8A9DB4F}"/>
-              </a:ext>
-            </a:extLst>
-          </p:cNvPr>
-          <p:cNvPicPr>
-            <a:picLocks noChangeAspect="1"/>
-          </p:cNvPicPr>
-          <p:nvPr/>
-        </p:nvPicPr>
-        <p:blipFill>
-          <a:blip r:embed="rId2">
-            <a:extLst>
-              <a:ext uri="{28A0092B-C50C-407E-A947-70E740481C1C}">
-                <a14:useLocalDpi xmlns:a14="http://schemas.microsoft.com/office/drawing/2010/main" val="0"/>
-              </a:ext>
-            </a:extLst>
-          </a:blip>
-          <a:stretch>
-            <a:fillRect/>
-          </a:stretch>
-        </p:blipFill>
-        <p:spPr>
-          <a:xfrm>
-            <a:off x="1371600" y="1724024"/>
-            <a:ext cx="9601200" cy="4743449"/>
-          </a:xfrm>
-          <a:prstGeom prst="rect">
-            <a:avLst/>
-          </a:prstGeom>
-        </p:spPr>
-      </p:pic>
-    </p:spTree>
-    <p:extLst>
-      <p:ext uri="{BB962C8B-B14F-4D97-AF65-F5344CB8AC3E}">
-        <p14:creationId xmlns:p14="http://schemas.microsoft.com/office/powerpoint/2010/main" val="3800045609"/>
-      </p:ext>
-    </p:extLst>
-  </p:cSld>
-  <p:clrMapOvr>
-    <a:masterClrMapping/>
-  </p:clrMapOvr>
-</p:sld>
-</file>
-
 <file path=ppt/slides/slide6.xml><?xml version="1.0" encoding="utf-8"?>
 <p:sld xmlns:a="http://schemas.openxmlformats.org/drawingml/2006/main" xmlns:r="http://schemas.openxmlformats.org/officeDocument/2006/relationships" xmlns:p="http://schemas.openxmlformats.org/presentationml/2006/main">
   <p:cSld>
@@ -4525,55 +7549,59 @@
         </p:nvSpPr>
         <p:spPr/>
         <p:txBody>
-          <a:bodyPr/>
+          <a:bodyPr>
+            <a:normAutofit/>
+          </a:bodyPr>
           <a:lstStyle/>
           <a:p>
             <a:r>
               <a:rPr lang="en-US" altLang="ko-KR" dirty="0"/>
-              <a:t>2-1 </a:t>
+              <a:t>2 </a:t>
             </a:r>
             <a:r>
               <a:rPr lang="ko-KR" altLang="en-US" dirty="0"/>
-              <a:t>영화 상세 테이블</a:t>
-            </a:r>
-            <a:r>
-              <a:rPr lang="en-US" altLang="ko-KR" sz="3000" dirty="0"/>
-              <a:t>(</a:t>
-            </a:r>
-            <a:r>
-              <a:rPr lang="ko-KR" altLang="en-US" sz="3000" dirty="0"/>
+              <a:t>논리적 설계 </a:t>
+            </a:r>
+            <a:r>
+              <a:rPr lang="en-US" altLang="ko-KR" dirty="0"/>
+              <a:t>ERD-</a:t>
+            </a:r>
+            <a:r>
+              <a:rPr lang="ko-KR" altLang="en-US" dirty="0"/>
+              <a:t>다이어그램</a:t>
+            </a:r>
+            <a:br>
+              <a:rPr lang="en-US" altLang="ko-KR" dirty="0"/>
+            </a:br>
+            <a:r>
+              <a:rPr lang="en-US" altLang="ko-KR" dirty="0"/>
+              <a:t>	</a:t>
+            </a:r>
+            <a:r>
+              <a:rPr lang="en-US" altLang="ko-KR" sz="3600" dirty="0"/>
+              <a:t>2) </a:t>
+            </a:r>
+            <a:r>
+              <a:rPr lang="ko-KR" altLang="en-US" sz="3600" dirty="0"/>
               <a:t>영화 </a:t>
             </a:r>
             <a:r>
-              <a:rPr lang="en-US" altLang="ko-KR" sz="3000" dirty="0"/>
+              <a:rPr lang="en-US" altLang="ko-KR" sz="3600" dirty="0"/>
               <a:t>- </a:t>
             </a:r>
             <a:r>
-              <a:rPr lang="ko-KR" altLang="en-US" sz="3000" dirty="0"/>
-              <a:t>배우</a:t>
-            </a:r>
-            <a:r>
-              <a:rPr lang="en-US" altLang="ko-KR" sz="3000" dirty="0"/>
-              <a:t>/</a:t>
-            </a:r>
-            <a:r>
-              <a:rPr lang="ko-KR" altLang="en-US" sz="3000" dirty="0"/>
-              <a:t>감독 관계</a:t>
-            </a:r>
-            <a:r>
-              <a:rPr lang="en-US" altLang="ko-KR" sz="3000" dirty="0"/>
-              <a:t>)</a:t>
-            </a:r>
-            <a:endParaRPr lang="ko-KR" altLang="en-US" sz="3000" dirty="0"/>
+              <a:rPr lang="ko-KR" altLang="en-US" sz="3600" dirty="0"/>
+              <a:t>극장 관계</a:t>
+            </a:r>
           </a:p>
         </p:txBody>
       </p:sp>
       <p:pic>
         <p:nvPicPr>
-          <p:cNvPr id="3" name="!!그림 2" descr="텍스트, 스크린샷, 소프트웨어, 웹 페이지이(가) 표시된 사진&#10;&#10;자동 생성된 설명">
+          <p:cNvPr id="4" name="!!그림 2" descr="텍스트, 스크린샷, 소프트웨어, 번호이(가) 표시된 사진&#10;&#10;자동 생성된 설명">
             <a:extLst>
               <a:ext uri="{FF2B5EF4-FFF2-40B4-BE49-F238E27FC236}">
-                <a16:creationId xmlns:a16="http://schemas.microsoft.com/office/drawing/2014/main" id="{4CBCCACF-A9DD-FBEA-F9EA-DA91D0E03251}"/>
+                <a16:creationId xmlns:a16="http://schemas.microsoft.com/office/drawing/2014/main" id="{D05F1B92-268E-2C51-5994-C944D8A9DB4F}"/>
               </a:ext>
             </a:extLst>
           </p:cNvPr>
@@ -4596,7 +7624,7 @@
         </p:blipFill>
         <p:spPr>
           <a:xfrm>
-            <a:off x="1371600" y="1724024"/>
+            <a:off x="1371600" y="2171700"/>
             <a:ext cx="9601200" cy="4743449"/>
           </a:xfrm>
           <a:prstGeom prst="rect">
@@ -4607,7 +7635,7 @@
     </p:spTree>
     <p:extLst>
       <p:ext uri="{BB962C8B-B14F-4D97-AF65-F5344CB8AC3E}">
-        <p14:creationId xmlns:p14="http://schemas.microsoft.com/office/powerpoint/2010/main" val="3655797355"/>
+        <p14:creationId xmlns:p14="http://schemas.microsoft.com/office/powerpoint/2010/main" val="3800045609"/>
       </p:ext>
     </p:extLst>
   </p:cSld>
@@ -4639,7 +7667,7 @@
           <p:cNvPr id="2" name="제목 1">
             <a:extLst>
               <a:ext uri="{FF2B5EF4-FFF2-40B4-BE49-F238E27FC236}">
-                <a16:creationId xmlns:a16="http://schemas.microsoft.com/office/drawing/2014/main" id="{1718A306-1D21-642E-AA3F-DBCC9F6CE31B}"/>
+                <a16:creationId xmlns:a16="http://schemas.microsoft.com/office/drawing/2014/main" id="{F9A2A5FC-6D2C-AA3B-1F4F-1E4B2CF8D16D}"/>
               </a:ext>
             </a:extLst>
           </p:cNvPr>
@@ -4652,17 +7680,376 @@
         </p:nvSpPr>
         <p:spPr/>
         <p:txBody>
-          <a:bodyPr/>
-          <a:lstStyle/>
-          <a:p>
-            <a:endParaRPr lang="ko-KR" altLang="en-US" dirty="0"/>
-          </a:p>
-        </p:txBody>
-      </p:sp>
+          <a:bodyPr>
+            <a:normAutofit fontScale="90000"/>
+          </a:bodyPr>
+          <a:lstStyle/>
+          <a:p>
+            <a:r>
+              <a:rPr lang="en-US" altLang="ko-KR" dirty="0"/>
+              <a:t>2 </a:t>
+            </a:r>
+            <a:r>
+              <a:rPr lang="ko-KR" altLang="en-US" dirty="0"/>
+              <a:t>논리적 설계 </a:t>
+            </a:r>
+            <a:r>
+              <a:rPr lang="en-US" altLang="ko-KR" dirty="0"/>
+              <a:t>ERD-</a:t>
+            </a:r>
+            <a:r>
+              <a:rPr lang="ko-KR" altLang="en-US" dirty="0"/>
+              <a:t>다이어그램</a:t>
+            </a:r>
+            <a:br>
+              <a:rPr lang="en-US" altLang="ko-KR" dirty="0"/>
+            </a:br>
+            <a:r>
+              <a:rPr lang="en-US" altLang="ko-KR" dirty="0"/>
+              <a:t>	</a:t>
+            </a:r>
+            <a:r>
+              <a:rPr lang="en-US" altLang="ko-KR" sz="4000" dirty="0"/>
+              <a:t>3) </a:t>
+            </a:r>
+            <a:r>
+              <a:rPr lang="ko-KR" altLang="en-US" sz="4000" dirty="0"/>
+              <a:t>영화 상세 테이블</a:t>
+            </a:r>
+            <a:r>
+              <a:rPr lang="en-US" altLang="ko-KR" sz="4000" dirty="0"/>
+              <a:t>(</a:t>
+            </a:r>
+            <a:r>
+              <a:rPr lang="ko-KR" altLang="en-US" sz="4000" dirty="0"/>
+              <a:t>영화 </a:t>
+            </a:r>
+            <a:r>
+              <a:rPr lang="en-US" altLang="ko-KR" sz="4000" dirty="0"/>
+              <a:t>- </a:t>
+            </a:r>
+            <a:r>
+              <a:rPr lang="ko-KR" altLang="en-US" sz="4000" dirty="0"/>
+              <a:t>배우</a:t>
+            </a:r>
+            <a:r>
+              <a:rPr lang="en-US" altLang="ko-KR" sz="4000" dirty="0"/>
+              <a:t>/</a:t>
+            </a:r>
+            <a:r>
+              <a:rPr lang="ko-KR" altLang="en-US" sz="4000" dirty="0"/>
+              <a:t>감독 관계</a:t>
+            </a:r>
+            <a:r>
+              <a:rPr lang="en-US" altLang="ko-KR" sz="4000" dirty="0"/>
+              <a:t>)</a:t>
+            </a:r>
+            <a:endParaRPr lang="ko-KR" altLang="en-US" sz="4000" dirty="0"/>
+          </a:p>
+        </p:txBody>
+      </p:sp>
+      <p:pic>
+        <p:nvPicPr>
+          <p:cNvPr id="3" name="!!그림 2" descr="텍스트, 스크린샷, 소프트웨어, 웹 페이지이(가) 표시된 사진&#10;&#10;자동 생성된 설명">
+            <a:extLst>
+              <a:ext uri="{FF2B5EF4-FFF2-40B4-BE49-F238E27FC236}">
+                <a16:creationId xmlns:a16="http://schemas.microsoft.com/office/drawing/2014/main" id="{4CBCCACF-A9DD-FBEA-F9EA-DA91D0E03251}"/>
+              </a:ext>
+            </a:extLst>
+          </p:cNvPr>
+          <p:cNvPicPr>
+            <a:picLocks noChangeAspect="1"/>
+          </p:cNvPicPr>
+          <p:nvPr/>
+        </p:nvPicPr>
+        <p:blipFill>
+          <a:blip r:embed="rId2">
+            <a:extLst>
+              <a:ext uri="{28A0092B-C50C-407E-A947-70E740481C1C}">
+                <a14:useLocalDpi xmlns:a14="http://schemas.microsoft.com/office/drawing/2010/main" val="0"/>
+              </a:ext>
+            </a:extLst>
+          </a:blip>
+          <a:stretch>
+            <a:fillRect/>
+          </a:stretch>
+        </p:blipFill>
+        <p:spPr>
+          <a:xfrm>
+            <a:off x="1371600" y="2114551"/>
+            <a:ext cx="9601200" cy="4743449"/>
+          </a:xfrm>
+          <a:prstGeom prst="rect">
+            <a:avLst/>
+          </a:prstGeom>
+        </p:spPr>
+      </p:pic>
     </p:spTree>
     <p:extLst>
       <p:ext uri="{BB962C8B-B14F-4D97-AF65-F5344CB8AC3E}">
-        <p14:creationId xmlns:p14="http://schemas.microsoft.com/office/powerpoint/2010/main" val="475349484"/>
+        <p14:creationId xmlns:p14="http://schemas.microsoft.com/office/powerpoint/2010/main" val="3655797355"/>
+      </p:ext>
+    </p:extLst>
+  </p:cSld>
+  <p:clrMapOvr>
+    <a:masterClrMapping/>
+  </p:clrMapOvr>
+</p:sld>
+</file>
+
+<file path=ppt/slides/slide8.xml><?xml version="1.0" encoding="utf-8"?>
+<p:sld xmlns:a="http://schemas.openxmlformats.org/drawingml/2006/main" xmlns:r="http://schemas.openxmlformats.org/officeDocument/2006/relationships" xmlns:p="http://schemas.openxmlformats.org/presentationml/2006/main">
+  <p:cSld>
+    <p:spTree>
+      <p:nvGrpSpPr>
+        <p:cNvPr id="1" name=""/>
+        <p:cNvGrpSpPr/>
+        <p:nvPr/>
+      </p:nvGrpSpPr>
+      <p:grpSpPr>
+        <a:xfrm>
+          <a:off x="0" y="0"/>
+          <a:ext cx="0" cy="0"/>
+          <a:chOff x="0" y="0"/>
+          <a:chExt cx="0" cy="0"/>
+        </a:xfrm>
+      </p:grpSpPr>
+      <p:sp>
+        <p:nvSpPr>
+          <p:cNvPr id="2" name="제목 1">
+            <a:extLst>
+              <a:ext uri="{FF2B5EF4-FFF2-40B4-BE49-F238E27FC236}">
+                <a16:creationId xmlns:a16="http://schemas.microsoft.com/office/drawing/2014/main" id="{F9A2A5FC-6D2C-AA3B-1F4F-1E4B2CF8D16D}"/>
+              </a:ext>
+            </a:extLst>
+          </p:cNvPr>
+          <p:cNvSpPr>
+            <a:spLocks noGrp="1"/>
+          </p:cNvSpPr>
+          <p:nvPr>
+            <p:ph type="title"/>
+          </p:nvPr>
+        </p:nvSpPr>
+        <p:spPr/>
+        <p:txBody>
+          <a:bodyPr/>
+          <a:lstStyle/>
+          <a:p>
+            <a:r>
+              <a:rPr lang="en-US" altLang="ko-KR" dirty="0"/>
+              <a:t>3 </a:t>
+            </a:r>
+            <a:r>
+              <a:rPr lang="ko-KR" altLang="en-US" dirty="0"/>
+              <a:t>폼 디자인</a:t>
+            </a:r>
+            <a:br>
+              <a:rPr lang="en-US" altLang="ko-KR" dirty="0"/>
+            </a:br>
+            <a:r>
+              <a:rPr lang="en-US" altLang="ko-KR" dirty="0"/>
+              <a:t>	1)</a:t>
+            </a:r>
+            <a:r>
+              <a:rPr lang="en-US" altLang="ko-KR" sz="3600" dirty="0"/>
+              <a:t> </a:t>
+            </a:r>
+            <a:r>
+              <a:rPr lang="ko-KR" altLang="en-US" sz="3600" dirty="0"/>
+              <a:t>로그인 폼</a:t>
+            </a:r>
+          </a:p>
+        </p:txBody>
+      </p:sp>
+      <p:pic>
+        <p:nvPicPr>
+          <p:cNvPr id="5" name="그림 4" descr="텍스트, 스크린샷, 디스플레이, 소프트웨어이(가) 표시된 사진&#10;&#10;자동 생성된 설명">
+            <a:extLst>
+              <a:ext uri="{FF2B5EF4-FFF2-40B4-BE49-F238E27FC236}">
+                <a16:creationId xmlns:a16="http://schemas.microsoft.com/office/drawing/2014/main" id="{9EFDD30E-FC24-9BB4-A902-44B80A9FBEDB}"/>
+              </a:ext>
+            </a:extLst>
+          </p:cNvPr>
+          <p:cNvPicPr>
+            <a:picLocks noChangeAspect="1"/>
+          </p:cNvPicPr>
+          <p:nvPr/>
+        </p:nvPicPr>
+        <p:blipFill>
+          <a:blip r:embed="rId2">
+            <a:extLst>
+              <a:ext uri="{28A0092B-C50C-407E-A947-70E740481C1C}">
+                <a14:useLocalDpi xmlns:a14="http://schemas.microsoft.com/office/drawing/2010/main" val="0"/>
+              </a:ext>
+            </a:extLst>
+          </a:blip>
+          <a:stretch>
+            <a:fillRect/>
+          </a:stretch>
+        </p:blipFill>
+        <p:spPr>
+          <a:xfrm>
+            <a:off x="5284763" y="1428750"/>
+            <a:ext cx="6483977" cy="5377376"/>
+          </a:xfrm>
+          <a:prstGeom prst="rect">
+            <a:avLst/>
+          </a:prstGeom>
+        </p:spPr>
+      </p:pic>
+    </p:spTree>
+    <p:extLst>
+      <p:ext uri="{BB962C8B-B14F-4D97-AF65-F5344CB8AC3E}">
+        <p14:creationId xmlns:p14="http://schemas.microsoft.com/office/powerpoint/2010/main" val="2275581953"/>
+      </p:ext>
+    </p:extLst>
+  </p:cSld>
+  <p:clrMapOvr>
+    <a:masterClrMapping/>
+  </p:clrMapOvr>
+</p:sld>
+</file>
+
+<file path=ppt/slides/slide9.xml><?xml version="1.0" encoding="utf-8"?>
+<p:sld xmlns:a="http://schemas.openxmlformats.org/drawingml/2006/main" xmlns:r="http://schemas.openxmlformats.org/officeDocument/2006/relationships" xmlns:p="http://schemas.openxmlformats.org/presentationml/2006/main">
+  <p:cSld>
+    <p:spTree>
+      <p:nvGrpSpPr>
+        <p:cNvPr id="1" name=""/>
+        <p:cNvGrpSpPr/>
+        <p:nvPr/>
+      </p:nvGrpSpPr>
+      <p:grpSpPr>
+        <a:xfrm>
+          <a:off x="0" y="0"/>
+          <a:ext cx="0" cy="0"/>
+          <a:chOff x="0" y="0"/>
+          <a:chExt cx="0" cy="0"/>
+        </a:xfrm>
+      </p:grpSpPr>
+      <p:sp>
+        <p:nvSpPr>
+          <p:cNvPr id="2" name="제목 1">
+            <a:extLst>
+              <a:ext uri="{FF2B5EF4-FFF2-40B4-BE49-F238E27FC236}">
+                <a16:creationId xmlns:a16="http://schemas.microsoft.com/office/drawing/2014/main" id="{F9A2A5FC-6D2C-AA3B-1F4F-1E4B2CF8D16D}"/>
+              </a:ext>
+            </a:extLst>
+          </p:cNvPr>
+          <p:cNvSpPr>
+            <a:spLocks noGrp="1"/>
+          </p:cNvSpPr>
+          <p:nvPr>
+            <p:ph type="title"/>
+          </p:nvPr>
+        </p:nvSpPr>
+        <p:spPr/>
+        <p:txBody>
+          <a:bodyPr/>
+          <a:lstStyle/>
+          <a:p>
+            <a:r>
+              <a:rPr lang="en-US" altLang="ko-KR" dirty="0"/>
+              <a:t>3 </a:t>
+            </a:r>
+            <a:r>
+              <a:rPr lang="ko-KR" altLang="en-US" dirty="0"/>
+              <a:t>폼 디자인</a:t>
+            </a:r>
+            <a:br>
+              <a:rPr lang="en-US" altLang="ko-KR" dirty="0"/>
+            </a:br>
+            <a:r>
+              <a:rPr lang="en-US" altLang="ko-KR" dirty="0"/>
+              <a:t>	2)</a:t>
+            </a:r>
+            <a:r>
+              <a:rPr lang="en-US" altLang="ko-KR" sz="3600" dirty="0"/>
+              <a:t> </a:t>
+            </a:r>
+            <a:r>
+              <a:rPr lang="ko-KR" altLang="en-US" sz="3600" dirty="0"/>
+              <a:t>일반 사용자 계정</a:t>
+            </a:r>
+          </a:p>
+        </p:txBody>
+      </p:sp>
+      <p:pic>
+        <p:nvPicPr>
+          <p:cNvPr id="5" name="그림 4" descr="텍스트, 스크린샷, 디스플레이, 소프트웨어이(가) 표시된 사진&#10;&#10;자동 생성된 설명">
+            <a:extLst>
+              <a:ext uri="{FF2B5EF4-FFF2-40B4-BE49-F238E27FC236}">
+                <a16:creationId xmlns:a16="http://schemas.microsoft.com/office/drawing/2014/main" id="{C7AD3C23-ADDC-E704-CEAB-640CC9CB8183}"/>
+              </a:ext>
+            </a:extLst>
+          </p:cNvPr>
+          <p:cNvPicPr>
+            <a:picLocks noChangeAspect="1"/>
+          </p:cNvPicPr>
+          <p:nvPr/>
+        </p:nvPicPr>
+        <p:blipFill>
+          <a:blip r:embed="rId2">
+            <a:extLst>
+              <a:ext uri="{28A0092B-C50C-407E-A947-70E740481C1C}">
+                <a14:useLocalDpi xmlns:a14="http://schemas.microsoft.com/office/drawing/2010/main" val="0"/>
+              </a:ext>
+            </a:extLst>
+          </a:blip>
+          <a:stretch>
+            <a:fillRect/>
+          </a:stretch>
+        </p:blipFill>
+        <p:spPr>
+          <a:xfrm>
+            <a:off x="2318282" y="2049656"/>
+            <a:ext cx="3861582" cy="4593728"/>
+          </a:xfrm>
+          <a:prstGeom prst="rect">
+            <a:avLst/>
+          </a:prstGeom>
+        </p:spPr>
+      </p:pic>
+      <p:pic>
+        <p:nvPicPr>
+          <p:cNvPr id="7" name="그림 6" descr="텍스트, 스크린샷, 번호, 디스플레이이(가) 표시된 사진&#10;&#10;자동 생성된 설명">
+            <a:extLst>
+              <a:ext uri="{FF2B5EF4-FFF2-40B4-BE49-F238E27FC236}">
+                <a16:creationId xmlns:a16="http://schemas.microsoft.com/office/drawing/2014/main" id="{23E7EA52-2ABB-FCD9-EB0F-ECC4C48A0D38}"/>
+              </a:ext>
+            </a:extLst>
+          </p:cNvPr>
+          <p:cNvPicPr>
+            <a:picLocks noChangeAspect="1"/>
+          </p:cNvPicPr>
+          <p:nvPr/>
+        </p:nvPicPr>
+        <p:blipFill>
+          <a:blip r:embed="rId3">
+            <a:extLst>
+              <a:ext uri="{28A0092B-C50C-407E-A947-70E740481C1C}">
+                <a14:useLocalDpi xmlns:a14="http://schemas.microsoft.com/office/drawing/2010/main" val="0"/>
+              </a:ext>
+            </a:extLst>
+          </a:blip>
+          <a:stretch>
+            <a:fillRect/>
+          </a:stretch>
+        </p:blipFill>
+        <p:spPr>
+          <a:xfrm>
+            <a:off x="6817056" y="2049656"/>
+            <a:ext cx="4477375" cy="4458322"/>
+          </a:xfrm>
+          <a:prstGeom prst="rect">
+            <a:avLst/>
+          </a:prstGeom>
+        </p:spPr>
+      </p:pic>
+    </p:spTree>
+    <p:extLst>
+      <p:ext uri="{BB962C8B-B14F-4D97-AF65-F5344CB8AC3E}">
+        <p14:creationId xmlns:p14="http://schemas.microsoft.com/office/powerpoint/2010/main" val="1396688707"/>
       </p:ext>
     </p:extLst>
   </p:cSld>
